--- a/Presentation1.pptx
+++ b/Presentation1.pptx
@@ -9,6 +9,16 @@
     <p:sldId id="258" r:id="rId3"/>
     <p:sldId id="257" r:id="rId4"/>
     <p:sldId id="259" r:id="rId5"/>
+    <p:sldId id="260" r:id="rId6"/>
+    <p:sldId id="261" r:id="rId7"/>
+    <p:sldId id="262" r:id="rId8"/>
+    <p:sldId id="263" r:id="rId9"/>
+    <p:sldId id="264" r:id="rId10"/>
+    <p:sldId id="267" r:id="rId11"/>
+    <p:sldId id="265" r:id="rId12"/>
+    <p:sldId id="266" r:id="rId13"/>
+    <p:sldId id="268" r:id="rId14"/>
+    <p:sldId id="269" r:id="rId15"/>
   </p:sldIdLst>
   <p:sldSz cx="9144000" cy="6858000" type="screen4x3"/>
   <p:notesSz cx="6858000" cy="9144000"/>
@@ -107,6 +117,22 @@
       </a:defRPr>
     </a:lvl9pPr>
   </p:defaultTextStyle>
+  <p:extLst>
+    <p:ext uri="{EFAFB233-063F-42B5-8137-9DF3F51BA10A}">
+      <p15:sldGuideLst xmlns:p15="http://schemas.microsoft.com/office/powerpoint/2012/main">
+        <p15:guide id="1" orient="horz" pos="2160">
+          <p15:clr>
+            <a:srgbClr val="A4A3A4"/>
+          </p15:clr>
+        </p15:guide>
+        <p15:guide id="2" pos="2880">
+          <p15:clr>
+            <a:srgbClr val="A4A3A4"/>
+          </p15:clr>
+        </p15:guide>
+      </p15:sldGuideLst>
+    </p:ext>
+  </p:extLst>
 </p:presentation>
 </file>
 
@@ -291,7 +317,7 @@
           <a:p>
             <a:fld id="{E68634C7-4463-4300-964D-74C7488FA3C0}" type="datetimeFigureOut">
               <a:rPr lang="en-CA" smtClean="0"/>
-              <a:t>03/10/2016</a:t>
+              <a:t>04/10/2016</a:t>
             </a:fld>
             <a:endParaRPr lang="en-CA"/>
           </a:p>
@@ -461,7 +487,7 @@
           <a:p>
             <a:fld id="{E68634C7-4463-4300-964D-74C7488FA3C0}" type="datetimeFigureOut">
               <a:rPr lang="en-CA" smtClean="0"/>
-              <a:t>03/10/2016</a:t>
+              <a:t>04/10/2016</a:t>
             </a:fld>
             <a:endParaRPr lang="en-CA"/>
           </a:p>
@@ -641,7 +667,7 @@
           <a:p>
             <a:fld id="{E68634C7-4463-4300-964D-74C7488FA3C0}" type="datetimeFigureOut">
               <a:rPr lang="en-CA" smtClean="0"/>
-              <a:t>03/10/2016</a:t>
+              <a:t>04/10/2016</a:t>
             </a:fld>
             <a:endParaRPr lang="en-CA"/>
           </a:p>
@@ -811,7 +837,7 @@
           <a:p>
             <a:fld id="{E68634C7-4463-4300-964D-74C7488FA3C0}" type="datetimeFigureOut">
               <a:rPr lang="en-CA" smtClean="0"/>
-              <a:t>03/10/2016</a:t>
+              <a:t>04/10/2016</a:t>
             </a:fld>
             <a:endParaRPr lang="en-CA"/>
           </a:p>
@@ -1057,7 +1083,7 @@
           <a:p>
             <a:fld id="{E68634C7-4463-4300-964D-74C7488FA3C0}" type="datetimeFigureOut">
               <a:rPr lang="en-CA" smtClean="0"/>
-              <a:t>03/10/2016</a:t>
+              <a:t>04/10/2016</a:t>
             </a:fld>
             <a:endParaRPr lang="en-CA"/>
           </a:p>
@@ -1345,7 +1371,7 @@
           <a:p>
             <a:fld id="{E68634C7-4463-4300-964D-74C7488FA3C0}" type="datetimeFigureOut">
               <a:rPr lang="en-CA" smtClean="0"/>
-              <a:t>03/10/2016</a:t>
+              <a:t>04/10/2016</a:t>
             </a:fld>
             <a:endParaRPr lang="en-CA"/>
           </a:p>
@@ -1767,7 +1793,7 @@
           <a:p>
             <a:fld id="{E68634C7-4463-4300-964D-74C7488FA3C0}" type="datetimeFigureOut">
               <a:rPr lang="en-CA" smtClean="0"/>
-              <a:t>03/10/2016</a:t>
+              <a:t>04/10/2016</a:t>
             </a:fld>
             <a:endParaRPr lang="en-CA"/>
           </a:p>
@@ -1885,7 +1911,7 @@
           <a:p>
             <a:fld id="{E68634C7-4463-4300-964D-74C7488FA3C0}" type="datetimeFigureOut">
               <a:rPr lang="en-CA" smtClean="0"/>
-              <a:t>03/10/2016</a:t>
+              <a:t>04/10/2016</a:t>
             </a:fld>
             <a:endParaRPr lang="en-CA"/>
           </a:p>
@@ -1980,7 +2006,7 @@
           <a:p>
             <a:fld id="{E68634C7-4463-4300-964D-74C7488FA3C0}" type="datetimeFigureOut">
               <a:rPr lang="en-CA" smtClean="0"/>
-              <a:t>03/10/2016</a:t>
+              <a:t>04/10/2016</a:t>
             </a:fld>
             <a:endParaRPr lang="en-CA"/>
           </a:p>
@@ -2257,7 +2283,7 @@
           <a:p>
             <a:fld id="{E68634C7-4463-4300-964D-74C7488FA3C0}" type="datetimeFigureOut">
               <a:rPr lang="en-CA" smtClean="0"/>
-              <a:t>03/10/2016</a:t>
+              <a:t>04/10/2016</a:t>
             </a:fld>
             <a:endParaRPr lang="en-CA"/>
           </a:p>
@@ -2510,7 +2536,7 @@
           <a:p>
             <a:fld id="{E68634C7-4463-4300-964D-74C7488FA3C0}" type="datetimeFigureOut">
               <a:rPr lang="en-CA" smtClean="0"/>
-              <a:t>03/10/2016</a:t>
+              <a:t>04/10/2016</a:t>
             </a:fld>
             <a:endParaRPr lang="en-CA"/>
           </a:p>
@@ -2723,7 +2749,7 @@
           <a:p>
             <a:fld id="{E68634C7-4463-4300-964D-74C7488FA3C0}" type="datetimeFigureOut">
               <a:rPr lang="en-CA" smtClean="0"/>
-              <a:t>03/10/2016</a:t>
+              <a:t>04/10/2016</a:t>
             </a:fld>
             <a:endParaRPr lang="en-CA"/>
           </a:p>
@@ -3197,6 +3223,1843 @@
 </p:sld>
 </file>
 
+<file path=ppt/slides/slide10.xml><?xml version="1.0" encoding="utf-8"?>
+<p:sld xmlns:a="http://schemas.openxmlformats.org/drawingml/2006/main" xmlns:r="http://schemas.openxmlformats.org/officeDocument/2006/relationships" xmlns:p="http://schemas.openxmlformats.org/presentationml/2006/main">
+  <p:cSld>
+    <p:bg>
+      <p:bgPr>
+        <a:solidFill>
+          <a:schemeClr val="tx1"/>
+        </a:solidFill>
+        <a:effectLst/>
+      </p:bgPr>
+    </p:bg>
+    <p:spTree>
+      <p:nvGrpSpPr>
+        <p:cNvPr id="1" name=""/>
+        <p:cNvGrpSpPr/>
+        <p:nvPr/>
+      </p:nvGrpSpPr>
+      <p:grpSpPr>
+        <a:xfrm>
+          <a:off x="0" y="0"/>
+          <a:ext cx="0" cy="0"/>
+          <a:chOff x="0" y="0"/>
+          <a:chExt cx="0" cy="0"/>
+        </a:xfrm>
+      </p:grpSpPr>
+      <p:sp>
+        <p:nvSpPr>
+          <p:cNvPr id="2" name="Title 1"/>
+          <p:cNvSpPr>
+            <a:spLocks noGrp="1"/>
+          </p:cNvSpPr>
+          <p:nvPr>
+            <p:ph type="title"/>
+          </p:nvPr>
+        </p:nvSpPr>
+        <p:spPr>
+          <a:xfrm>
+            <a:off x="457200" y="274638"/>
+            <a:ext cx="8229600" cy="411162"/>
+          </a:xfrm>
+        </p:spPr>
+        <p:txBody>
+          <a:bodyPr>
+            <a:normAutofit fontScale="90000"/>
+          </a:bodyPr>
+          <a:lstStyle/>
+          <a:p>
+            <a:r>
+              <a:rPr lang="en-US" dirty="0" smtClean="0">
+                <a:solidFill>
+                  <a:schemeClr val="tx2">
+                    <a:lumMod val="60000"/>
+                    <a:lumOff val="40000"/>
+                  </a:schemeClr>
+                </a:solidFill>
+              </a:rPr>
+              <a:t>The Canvas</a:t>
+            </a:r>
+            <a:endParaRPr lang="en-US" dirty="0">
+              <a:solidFill>
+                <a:schemeClr val="tx2">
+                  <a:lumMod val="60000"/>
+                  <a:lumOff val="40000"/>
+                </a:schemeClr>
+              </a:solidFill>
+            </a:endParaRPr>
+          </a:p>
+        </p:txBody>
+      </p:sp>
+      <p:sp>
+        <p:nvSpPr>
+          <p:cNvPr id="3" name="Content Placeholder 2"/>
+          <p:cNvSpPr>
+            <a:spLocks noGrp="1"/>
+          </p:cNvSpPr>
+          <p:nvPr>
+            <p:ph idx="1"/>
+          </p:nvPr>
+        </p:nvSpPr>
+        <p:spPr>
+          <a:xfrm>
+            <a:off x="457200" y="914400"/>
+            <a:ext cx="8229600" cy="4876799"/>
+          </a:xfrm>
+        </p:spPr>
+        <p:txBody>
+          <a:bodyPr>
+            <a:normAutofit/>
+          </a:bodyPr>
+          <a:lstStyle/>
+          <a:p>
+            <a:pPr marL="0" indent="0">
+              <a:buNone/>
+            </a:pPr>
+            <a:r>
+              <a:rPr lang="en-US" sz="2000" dirty="0" smtClean="0">
+                <a:solidFill>
+                  <a:schemeClr val="accent6">
+                    <a:lumMod val="75000"/>
+                  </a:schemeClr>
+                </a:solidFill>
+              </a:rPr>
+              <a:t>One last piece of the puzzle:</a:t>
+            </a:r>
+          </a:p>
+          <a:p>
+            <a:pPr marL="0" indent="0">
+              <a:buNone/>
+            </a:pPr>
+            <a:endParaRPr lang="en-US" sz="2000" dirty="0" smtClean="0">
+              <a:solidFill>
+                <a:schemeClr val="accent6">
+                  <a:lumMod val="75000"/>
+                </a:schemeClr>
+              </a:solidFill>
+            </a:endParaRPr>
+          </a:p>
+          <a:p>
+            <a:pPr marL="0" indent="0">
+              <a:buNone/>
+            </a:pPr>
+            <a:r>
+              <a:rPr lang="en-US" sz="2000" dirty="0" err="1">
+                <a:solidFill>
+                  <a:schemeClr val="accent3">
+                    <a:lumMod val="75000"/>
+                  </a:schemeClr>
+                </a:solidFill>
+              </a:rPr>
+              <a:t>ctx.fill</a:t>
+            </a:r>
+            <a:r>
+              <a:rPr lang="en-US" sz="2000" dirty="0" smtClean="0">
+                <a:solidFill>
+                  <a:schemeClr val="accent3">
+                    <a:lumMod val="75000"/>
+                  </a:schemeClr>
+                </a:solidFill>
+              </a:rPr>
+              <a:t>(); </a:t>
+            </a:r>
+            <a:r>
+              <a:rPr lang="en-US" sz="2000" dirty="0" smtClean="0">
+                <a:solidFill>
+                  <a:schemeClr val="bg1">
+                    <a:lumMod val="50000"/>
+                  </a:schemeClr>
+                </a:solidFill>
+              </a:rPr>
+              <a:t>//Fill in the area under our points</a:t>
+            </a:r>
+          </a:p>
+          <a:p>
+            <a:pPr marL="0" indent="0">
+              <a:buNone/>
+            </a:pPr>
+            <a:endParaRPr lang="en-US" sz="2000" dirty="0">
+              <a:solidFill>
+                <a:schemeClr val="bg1">
+                  <a:lumMod val="50000"/>
+                </a:schemeClr>
+              </a:solidFill>
+            </a:endParaRPr>
+          </a:p>
+          <a:p>
+            <a:pPr marL="0" indent="0">
+              <a:buNone/>
+            </a:pPr>
+            <a:r>
+              <a:rPr lang="en-US" sz="2000" dirty="0" smtClean="0">
+                <a:solidFill>
+                  <a:schemeClr val="accent6">
+                    <a:lumMod val="75000"/>
+                  </a:schemeClr>
+                </a:solidFill>
+              </a:rPr>
+              <a:t>Alternatively:</a:t>
+            </a:r>
+          </a:p>
+          <a:p>
+            <a:pPr marL="0" indent="0">
+              <a:buNone/>
+            </a:pPr>
+            <a:endParaRPr lang="en-US" sz="2000" dirty="0">
+              <a:solidFill>
+                <a:schemeClr val="accent6">
+                  <a:lumMod val="75000"/>
+                </a:schemeClr>
+              </a:solidFill>
+            </a:endParaRPr>
+          </a:p>
+          <a:p>
+            <a:pPr marL="0" indent="0">
+              <a:buNone/>
+            </a:pPr>
+            <a:r>
+              <a:rPr lang="en-US" sz="2000" dirty="0" err="1" smtClean="0">
+                <a:solidFill>
+                  <a:schemeClr val="accent3">
+                    <a:lumMod val="75000"/>
+                  </a:schemeClr>
+                </a:solidFill>
+              </a:rPr>
+              <a:t>ctx.stroke</a:t>
+            </a:r>
+            <a:r>
+              <a:rPr lang="en-US" sz="2000" dirty="0" smtClean="0">
+                <a:solidFill>
+                  <a:schemeClr val="accent3">
+                    <a:lumMod val="75000"/>
+                  </a:schemeClr>
+                </a:solidFill>
+              </a:rPr>
+              <a:t>(); </a:t>
+            </a:r>
+            <a:r>
+              <a:rPr lang="en-US" sz="2000" dirty="0" smtClean="0">
+                <a:solidFill>
+                  <a:schemeClr val="bg1">
+                    <a:lumMod val="50000"/>
+                  </a:schemeClr>
+                </a:solidFill>
+              </a:rPr>
+              <a:t>//Connect the points without filling in the area below</a:t>
+            </a:r>
+            <a:endParaRPr lang="en-US" sz="2000" dirty="0">
+              <a:solidFill>
+                <a:schemeClr val="bg1">
+                  <a:lumMod val="50000"/>
+                </a:schemeClr>
+              </a:solidFill>
+            </a:endParaRPr>
+          </a:p>
+          <a:p>
+            <a:pPr marL="0" indent="0">
+              <a:buNone/>
+            </a:pPr>
+            <a:endParaRPr lang="en-US" sz="2000" dirty="0" smtClean="0">
+              <a:solidFill>
+                <a:schemeClr val="bg1">
+                  <a:lumMod val="50000"/>
+                </a:schemeClr>
+              </a:solidFill>
+            </a:endParaRPr>
+          </a:p>
+          <a:p>
+            <a:pPr marL="0" indent="0">
+              <a:buNone/>
+            </a:pPr>
+            <a:r>
+              <a:rPr lang="en-US" sz="2000" dirty="0" smtClean="0">
+                <a:solidFill>
+                  <a:schemeClr val="accent6">
+                    <a:lumMod val="75000"/>
+                  </a:schemeClr>
+                </a:solidFill>
+              </a:rPr>
+              <a:t>Also:</a:t>
+            </a:r>
+            <a:endParaRPr lang="en-US" sz="2000" dirty="0">
+              <a:solidFill>
+                <a:schemeClr val="accent6">
+                  <a:lumMod val="75000"/>
+                </a:schemeClr>
+              </a:solidFill>
+            </a:endParaRPr>
+          </a:p>
+          <a:p>
+            <a:pPr marL="0" indent="0">
+              <a:buNone/>
+            </a:pPr>
+            <a:endParaRPr lang="en-US" sz="2000" dirty="0">
+              <a:solidFill>
+                <a:schemeClr val="accent6">
+                  <a:lumMod val="75000"/>
+                </a:schemeClr>
+              </a:solidFill>
+            </a:endParaRPr>
+          </a:p>
+          <a:p>
+            <a:pPr marL="0" indent="0">
+              <a:buNone/>
+            </a:pPr>
+            <a:r>
+              <a:rPr lang="en-US" sz="2000" dirty="0" err="1" smtClean="0">
+                <a:solidFill>
+                  <a:schemeClr val="accent3">
+                    <a:lumMod val="75000"/>
+                  </a:schemeClr>
+                </a:solidFill>
+              </a:rPr>
+              <a:t>ctx.closePath</a:t>
+            </a:r>
+            <a:r>
+              <a:rPr lang="en-US" sz="2000" dirty="0" smtClean="0">
+                <a:solidFill>
+                  <a:schemeClr val="accent3">
+                    <a:lumMod val="75000"/>
+                  </a:schemeClr>
+                </a:solidFill>
+              </a:rPr>
+              <a:t>(); </a:t>
+            </a:r>
+            <a:r>
+              <a:rPr lang="en-US" sz="2000" dirty="0" smtClean="0">
+                <a:solidFill>
+                  <a:schemeClr val="bg1">
+                    <a:lumMod val="50000"/>
+                  </a:schemeClr>
+                </a:solidFill>
+              </a:rPr>
+              <a:t>//Connect the last point in our path back to our starting point</a:t>
+            </a:r>
+            <a:endParaRPr lang="en-US" sz="2000" dirty="0">
+              <a:solidFill>
+                <a:schemeClr val="bg1">
+                  <a:lumMod val="50000"/>
+                </a:schemeClr>
+              </a:solidFill>
+            </a:endParaRPr>
+          </a:p>
+          <a:p>
+            <a:pPr marL="0" indent="0">
+              <a:buNone/>
+            </a:pPr>
+            <a:endParaRPr lang="en-US" sz="2000" dirty="0" smtClean="0">
+              <a:solidFill>
+                <a:schemeClr val="accent3">
+                  <a:lumMod val="75000"/>
+                </a:schemeClr>
+              </a:solidFill>
+            </a:endParaRPr>
+          </a:p>
+          <a:p>
+            <a:pPr marL="0" indent="0">
+              <a:buNone/>
+            </a:pPr>
+            <a:endParaRPr lang="en-US" sz="2000" dirty="0" smtClean="0">
+              <a:solidFill>
+                <a:schemeClr val="accent3">
+                  <a:lumMod val="75000"/>
+                </a:schemeClr>
+              </a:solidFill>
+            </a:endParaRPr>
+          </a:p>
+          <a:p>
+            <a:pPr marL="0" indent="0">
+              <a:buNone/>
+            </a:pPr>
+            <a:endParaRPr lang="en-US" sz="2000" dirty="0">
+              <a:solidFill>
+                <a:schemeClr val="accent3">
+                  <a:lumMod val="75000"/>
+                </a:schemeClr>
+              </a:solidFill>
+            </a:endParaRPr>
+          </a:p>
+        </p:txBody>
+      </p:sp>
+    </p:spTree>
+    <p:extLst>
+      <p:ext uri="{BB962C8B-B14F-4D97-AF65-F5344CB8AC3E}">
+        <p14:creationId xmlns:p14="http://schemas.microsoft.com/office/powerpoint/2010/main" val="3066927054"/>
+      </p:ext>
+    </p:extLst>
+  </p:cSld>
+  <p:clrMapOvr>
+    <a:masterClrMapping/>
+  </p:clrMapOvr>
+  <p:timing>
+    <p:tnLst>
+      <p:par>
+        <p:cTn id="1" dur="indefinite" restart="never" nodeType="tmRoot"/>
+      </p:par>
+    </p:tnLst>
+  </p:timing>
+</p:sld>
+</file>
+
+<file path=ppt/slides/slide11.xml><?xml version="1.0" encoding="utf-8"?>
+<p:sld xmlns:a="http://schemas.openxmlformats.org/drawingml/2006/main" xmlns:r="http://schemas.openxmlformats.org/officeDocument/2006/relationships" xmlns:p="http://schemas.openxmlformats.org/presentationml/2006/main">
+  <p:cSld>
+    <p:bg>
+      <p:bgPr>
+        <a:solidFill>
+          <a:schemeClr val="tx1"/>
+        </a:solidFill>
+        <a:effectLst/>
+      </p:bgPr>
+    </p:bg>
+    <p:spTree>
+      <p:nvGrpSpPr>
+        <p:cNvPr id="1" name=""/>
+        <p:cNvGrpSpPr/>
+        <p:nvPr/>
+      </p:nvGrpSpPr>
+      <p:grpSpPr>
+        <a:xfrm>
+          <a:off x="0" y="0"/>
+          <a:ext cx="0" cy="0"/>
+          <a:chOff x="0" y="0"/>
+          <a:chExt cx="0" cy="0"/>
+        </a:xfrm>
+      </p:grpSpPr>
+      <p:sp>
+        <p:nvSpPr>
+          <p:cNvPr id="2" name="Title 1"/>
+          <p:cNvSpPr>
+            <a:spLocks noGrp="1"/>
+          </p:cNvSpPr>
+          <p:nvPr>
+            <p:ph type="title"/>
+          </p:nvPr>
+        </p:nvSpPr>
+        <p:spPr>
+          <a:xfrm>
+            <a:off x="457200" y="274638"/>
+            <a:ext cx="8229600" cy="411162"/>
+          </a:xfrm>
+        </p:spPr>
+        <p:txBody>
+          <a:bodyPr>
+            <a:normAutofit fontScale="90000"/>
+          </a:bodyPr>
+          <a:lstStyle/>
+          <a:p>
+            <a:r>
+              <a:rPr lang="en-US" dirty="0" smtClean="0">
+                <a:solidFill>
+                  <a:schemeClr val="tx2">
+                    <a:lumMod val="60000"/>
+                    <a:lumOff val="40000"/>
+                  </a:schemeClr>
+                </a:solidFill>
+              </a:rPr>
+              <a:t>The Animation</a:t>
+            </a:r>
+            <a:endParaRPr lang="en-US" dirty="0">
+              <a:solidFill>
+                <a:schemeClr val="tx2">
+                  <a:lumMod val="60000"/>
+                  <a:lumOff val="40000"/>
+                </a:schemeClr>
+              </a:solidFill>
+            </a:endParaRPr>
+          </a:p>
+        </p:txBody>
+      </p:sp>
+      <p:sp>
+        <p:nvSpPr>
+          <p:cNvPr id="3" name="Content Placeholder 2"/>
+          <p:cNvSpPr>
+            <a:spLocks noGrp="1"/>
+          </p:cNvSpPr>
+          <p:nvPr>
+            <p:ph idx="1"/>
+          </p:nvPr>
+        </p:nvSpPr>
+        <p:spPr>
+          <a:xfrm>
+            <a:off x="457200" y="914400"/>
+            <a:ext cx="8229600" cy="5211763"/>
+          </a:xfrm>
+        </p:spPr>
+        <p:txBody>
+          <a:bodyPr/>
+          <a:lstStyle/>
+          <a:p>
+            <a:pPr marL="0" indent="0">
+              <a:buNone/>
+            </a:pPr>
+            <a:r>
+              <a:rPr lang="en-US" dirty="0" smtClean="0">
+                <a:solidFill>
+                  <a:schemeClr val="bg1">
+                    <a:lumMod val="95000"/>
+                  </a:schemeClr>
+                </a:solidFill>
+              </a:rPr>
+              <a:t>We don’t want a static drawing!</a:t>
+            </a:r>
+          </a:p>
+          <a:p>
+            <a:pPr marL="0" indent="0">
+              <a:buNone/>
+            </a:pPr>
+            <a:endParaRPr lang="en-US" sz="2000" dirty="0" smtClean="0">
+              <a:solidFill>
+                <a:schemeClr val="accent6">
+                  <a:lumMod val="75000"/>
+                </a:schemeClr>
+              </a:solidFill>
+            </a:endParaRPr>
+          </a:p>
+          <a:p>
+            <a:pPr marL="0" indent="0">
+              <a:buNone/>
+            </a:pPr>
+            <a:r>
+              <a:rPr lang="en-US" sz="2000" dirty="0" smtClean="0">
+                <a:solidFill>
+                  <a:schemeClr val="accent6">
+                    <a:lumMod val="75000"/>
+                  </a:schemeClr>
+                </a:solidFill>
+              </a:rPr>
+              <a:t>Our Counter: </a:t>
+            </a:r>
+            <a:endParaRPr lang="en-US" sz="2000" dirty="0">
+              <a:solidFill>
+                <a:schemeClr val="accent6">
+                  <a:lumMod val="75000"/>
+                </a:schemeClr>
+              </a:solidFill>
+            </a:endParaRPr>
+          </a:p>
+          <a:p>
+            <a:pPr marL="0" indent="0">
+              <a:buNone/>
+            </a:pPr>
+            <a:r>
+              <a:rPr lang="en-US" sz="2000" dirty="0" smtClean="0">
+                <a:solidFill>
+                  <a:schemeClr val="accent3">
+                    <a:lumMod val="75000"/>
+                  </a:schemeClr>
+                </a:solidFill>
+              </a:rPr>
+              <a:t>TweenMax.to(</a:t>
+            </a:r>
+            <a:r>
+              <a:rPr lang="en-US" sz="2000" dirty="0" err="1" smtClean="0">
+                <a:solidFill>
+                  <a:schemeClr val="accent3">
+                    <a:lumMod val="75000"/>
+                  </a:schemeClr>
+                </a:solidFill>
+              </a:rPr>
+              <a:t>counter.count</a:t>
+            </a:r>
+            <a:r>
+              <a:rPr lang="en-US" sz="2000" dirty="0" smtClean="0">
+                <a:solidFill>
+                  <a:schemeClr val="accent3">
+                    <a:lumMod val="75000"/>
+                  </a:schemeClr>
+                </a:solidFill>
+              </a:rPr>
+              <a:t>, </a:t>
+            </a:r>
+            <a:r>
+              <a:rPr lang="en-US" sz="2000" dirty="0">
+                <a:solidFill>
+                  <a:schemeClr val="accent3">
+                    <a:lumMod val="75000"/>
+                  </a:schemeClr>
+                </a:solidFill>
+              </a:rPr>
+              <a:t>2.5, {count: </a:t>
+            </a:r>
+            <a:r>
+              <a:rPr lang="en-US" sz="2000" dirty="0" err="1">
+                <a:solidFill>
+                  <a:schemeClr val="accent3">
+                    <a:lumMod val="75000"/>
+                  </a:schemeClr>
+                </a:solidFill>
+              </a:rPr>
+              <a:t>maxHeight</a:t>
+            </a:r>
+            <a:r>
+              <a:rPr lang="en-US" sz="2000" dirty="0" smtClean="0">
+                <a:solidFill>
+                  <a:schemeClr val="accent3">
+                    <a:lumMod val="75000"/>
+                  </a:schemeClr>
+                </a:solidFill>
+              </a:rPr>
+              <a:t>,</a:t>
+            </a:r>
+          </a:p>
+          <a:p>
+            <a:pPr marL="0" indent="0">
+              <a:buNone/>
+            </a:pPr>
+            <a:r>
+              <a:rPr lang="en-US" sz="2000" dirty="0" smtClean="0">
+                <a:solidFill>
+                  <a:schemeClr val="accent3">
+                    <a:lumMod val="75000"/>
+                  </a:schemeClr>
+                </a:solidFill>
+              </a:rPr>
+              <a:t> 	</a:t>
+            </a:r>
+            <a:r>
+              <a:rPr lang="en-US" sz="2000" dirty="0" err="1" smtClean="0">
+                <a:solidFill>
+                  <a:schemeClr val="accent3">
+                    <a:lumMod val="75000"/>
+                  </a:schemeClr>
+                </a:solidFill>
+              </a:rPr>
+              <a:t>onUpdate</a:t>
+            </a:r>
+            <a:r>
+              <a:rPr lang="en-US" sz="2000" dirty="0" smtClean="0">
+                <a:solidFill>
+                  <a:schemeClr val="accent3">
+                    <a:lumMod val="75000"/>
+                  </a:schemeClr>
+                </a:solidFill>
+              </a:rPr>
+              <a:t>: </a:t>
+            </a:r>
+            <a:r>
+              <a:rPr lang="en-US" sz="2000" dirty="0" err="1" smtClean="0">
+                <a:solidFill>
+                  <a:schemeClr val="accent3">
+                    <a:lumMod val="75000"/>
+                  </a:schemeClr>
+                </a:solidFill>
+              </a:rPr>
+              <a:t>animateGraph</a:t>
+            </a:r>
+            <a:r>
+              <a:rPr lang="en-US" sz="2000" dirty="0">
+                <a:solidFill>
+                  <a:schemeClr val="accent3">
+                    <a:lumMod val="75000"/>
+                  </a:schemeClr>
+                </a:solidFill>
+              </a:rPr>
+              <a:t>, </a:t>
+            </a:r>
+            <a:r>
+              <a:rPr lang="en-US" sz="2000" dirty="0" smtClean="0">
+                <a:solidFill>
+                  <a:schemeClr val="accent3">
+                    <a:lumMod val="75000"/>
+                  </a:schemeClr>
+                </a:solidFill>
+              </a:rPr>
+              <a:t>ease</a:t>
+            </a:r>
+            <a:r>
+              <a:rPr lang="en-US" sz="2000" dirty="0">
+                <a:solidFill>
+                  <a:schemeClr val="accent3">
+                    <a:lumMod val="75000"/>
+                  </a:schemeClr>
+                </a:solidFill>
+              </a:rPr>
+              <a:t>: Power4.easeOut</a:t>
+            </a:r>
+            <a:r>
+              <a:rPr lang="en-US" sz="2000" dirty="0" smtClean="0">
+                <a:solidFill>
+                  <a:schemeClr val="accent3">
+                    <a:lumMod val="75000"/>
+                  </a:schemeClr>
+                </a:solidFill>
+              </a:rPr>
+              <a:t>});</a:t>
+            </a:r>
+          </a:p>
+          <a:p>
+            <a:pPr marL="0" indent="0">
+              <a:buNone/>
+            </a:pPr>
+            <a:endParaRPr lang="en-US" sz="2000" dirty="0" smtClean="0">
+              <a:solidFill>
+                <a:schemeClr val="accent3">
+                  <a:lumMod val="75000"/>
+                </a:schemeClr>
+              </a:solidFill>
+            </a:endParaRPr>
+          </a:p>
+          <a:p>
+            <a:pPr marL="0" indent="0">
+              <a:buNone/>
+            </a:pPr>
+            <a:r>
+              <a:rPr lang="en-US" sz="2000" dirty="0" smtClean="0">
+                <a:solidFill>
+                  <a:schemeClr val="accent3">
+                    <a:lumMod val="75000"/>
+                  </a:schemeClr>
+                </a:solidFill>
+              </a:rPr>
+              <a:t> </a:t>
+            </a:r>
+            <a:r>
+              <a:rPr lang="en-US" sz="2000" dirty="0" smtClean="0">
+                <a:solidFill>
+                  <a:schemeClr val="bg1">
+                    <a:lumMod val="50000"/>
+                  </a:schemeClr>
+                </a:solidFill>
+              </a:rPr>
+              <a:t>//TweenMax.to(</a:t>
+            </a:r>
+          </a:p>
+          <a:p>
+            <a:pPr marL="0" indent="0">
+              <a:buNone/>
+            </a:pPr>
+            <a:r>
+              <a:rPr lang="en-US" sz="2000" dirty="0">
+                <a:solidFill>
+                  <a:schemeClr val="bg1">
+                    <a:lumMod val="50000"/>
+                  </a:schemeClr>
+                </a:solidFill>
+              </a:rPr>
+              <a:t>	</a:t>
+            </a:r>
+            <a:r>
+              <a:rPr lang="en-US" sz="2000" dirty="0" smtClean="0">
+                <a:solidFill>
+                  <a:schemeClr val="bg1">
+                    <a:lumMod val="50000"/>
+                  </a:schemeClr>
+                </a:solidFill>
+              </a:rPr>
+              <a:t>object to tween,</a:t>
+            </a:r>
+          </a:p>
+          <a:p>
+            <a:pPr marL="0" indent="0">
+              <a:buNone/>
+            </a:pPr>
+            <a:r>
+              <a:rPr lang="en-US" sz="2000" dirty="0">
+                <a:solidFill>
+                  <a:schemeClr val="bg1">
+                    <a:lumMod val="50000"/>
+                  </a:schemeClr>
+                </a:solidFill>
+              </a:rPr>
+              <a:t>	</a:t>
+            </a:r>
+            <a:r>
+              <a:rPr lang="en-US" sz="2000" dirty="0" smtClean="0">
+                <a:solidFill>
+                  <a:schemeClr val="bg1">
+                    <a:lumMod val="50000"/>
+                  </a:schemeClr>
+                </a:solidFill>
+              </a:rPr>
+              <a:t>animation time,</a:t>
+            </a:r>
+          </a:p>
+          <a:p>
+            <a:pPr marL="0" indent="0">
+              <a:buNone/>
+            </a:pPr>
+            <a:r>
+              <a:rPr lang="en-US" sz="2000" dirty="0">
+                <a:solidFill>
+                  <a:schemeClr val="bg1">
+                    <a:lumMod val="50000"/>
+                  </a:schemeClr>
+                </a:solidFill>
+              </a:rPr>
+              <a:t>	</a:t>
+            </a:r>
+            <a:r>
+              <a:rPr lang="en-US" sz="2000" dirty="0" smtClean="0">
+                <a:solidFill>
+                  <a:schemeClr val="bg1">
+                    <a:lumMod val="50000"/>
+                  </a:schemeClr>
+                </a:solidFill>
+              </a:rPr>
+              <a:t>tween options);</a:t>
+            </a:r>
+          </a:p>
+          <a:p>
+            <a:pPr marL="0" indent="0">
+              <a:buNone/>
+            </a:pPr>
+            <a:endParaRPr lang="en-US" sz="2000" dirty="0">
+              <a:solidFill>
+                <a:schemeClr val="bg1">
+                  <a:lumMod val="50000"/>
+                </a:schemeClr>
+              </a:solidFill>
+            </a:endParaRPr>
+          </a:p>
+          <a:p>
+            <a:pPr marL="0" indent="0">
+              <a:buNone/>
+            </a:pPr>
+            <a:endParaRPr lang="en-US" sz="2000" dirty="0" smtClean="0">
+              <a:solidFill>
+                <a:schemeClr val="bg1">
+                  <a:lumMod val="50000"/>
+                </a:schemeClr>
+              </a:solidFill>
+            </a:endParaRPr>
+          </a:p>
+          <a:p>
+            <a:pPr marL="0" indent="0">
+              <a:buNone/>
+            </a:pPr>
+            <a:r>
+              <a:rPr lang="en-US" sz="2000" dirty="0" smtClean="0">
+                <a:solidFill>
+                  <a:schemeClr val="bg1"/>
+                </a:solidFill>
+              </a:rPr>
+              <a:t>Tweens have a default and maximum frame rate of 60/sec.</a:t>
+            </a:r>
+          </a:p>
+        </p:txBody>
+      </p:sp>
+    </p:spTree>
+    <p:extLst>
+      <p:ext uri="{BB962C8B-B14F-4D97-AF65-F5344CB8AC3E}">
+        <p14:creationId xmlns:p14="http://schemas.microsoft.com/office/powerpoint/2010/main" val="2145930328"/>
+      </p:ext>
+    </p:extLst>
+  </p:cSld>
+  <p:clrMapOvr>
+    <a:masterClrMapping/>
+  </p:clrMapOvr>
+  <p:timing>
+    <p:tnLst>
+      <p:par>
+        <p:cTn id="1" dur="indefinite" restart="never" nodeType="tmRoot"/>
+      </p:par>
+    </p:tnLst>
+  </p:timing>
+</p:sld>
+</file>
+
+<file path=ppt/slides/slide12.xml><?xml version="1.0" encoding="utf-8"?>
+<p:sld xmlns:a="http://schemas.openxmlformats.org/drawingml/2006/main" xmlns:r="http://schemas.openxmlformats.org/officeDocument/2006/relationships" xmlns:p="http://schemas.openxmlformats.org/presentationml/2006/main">
+  <p:cSld>
+    <p:bg>
+      <p:bgPr>
+        <a:solidFill>
+          <a:schemeClr val="tx1"/>
+        </a:solidFill>
+        <a:effectLst/>
+      </p:bgPr>
+    </p:bg>
+    <p:spTree>
+      <p:nvGrpSpPr>
+        <p:cNvPr id="1" name=""/>
+        <p:cNvGrpSpPr/>
+        <p:nvPr/>
+      </p:nvGrpSpPr>
+      <p:grpSpPr>
+        <a:xfrm>
+          <a:off x="0" y="0"/>
+          <a:ext cx="0" cy="0"/>
+          <a:chOff x="0" y="0"/>
+          <a:chExt cx="0" cy="0"/>
+        </a:xfrm>
+      </p:grpSpPr>
+      <p:sp>
+        <p:nvSpPr>
+          <p:cNvPr id="2" name="Title 1"/>
+          <p:cNvSpPr>
+            <a:spLocks noGrp="1"/>
+          </p:cNvSpPr>
+          <p:nvPr>
+            <p:ph type="title"/>
+          </p:nvPr>
+        </p:nvSpPr>
+        <p:spPr>
+          <a:xfrm>
+            <a:off x="457200" y="274638"/>
+            <a:ext cx="8229600" cy="411162"/>
+          </a:xfrm>
+        </p:spPr>
+        <p:txBody>
+          <a:bodyPr>
+            <a:normAutofit fontScale="90000"/>
+          </a:bodyPr>
+          <a:lstStyle/>
+          <a:p>
+            <a:r>
+              <a:rPr lang="en-US" dirty="0" smtClean="0">
+                <a:solidFill>
+                  <a:schemeClr val="tx2">
+                    <a:lumMod val="60000"/>
+                    <a:lumOff val="40000"/>
+                  </a:schemeClr>
+                </a:solidFill>
+              </a:rPr>
+              <a:t>The Animation</a:t>
+            </a:r>
+            <a:endParaRPr lang="en-US" dirty="0">
+              <a:solidFill>
+                <a:schemeClr val="tx2">
+                  <a:lumMod val="60000"/>
+                  <a:lumOff val="40000"/>
+                </a:schemeClr>
+              </a:solidFill>
+            </a:endParaRPr>
+          </a:p>
+        </p:txBody>
+      </p:sp>
+      <p:sp>
+        <p:nvSpPr>
+          <p:cNvPr id="3" name="Content Placeholder 2"/>
+          <p:cNvSpPr>
+            <a:spLocks noGrp="1"/>
+          </p:cNvSpPr>
+          <p:nvPr>
+            <p:ph idx="1"/>
+          </p:nvPr>
+        </p:nvSpPr>
+        <p:spPr>
+          <a:xfrm>
+            <a:off x="457200" y="914400"/>
+            <a:ext cx="8229600" cy="5211763"/>
+          </a:xfrm>
+        </p:spPr>
+        <p:txBody>
+          <a:bodyPr>
+            <a:normAutofit/>
+          </a:bodyPr>
+          <a:lstStyle/>
+          <a:p>
+            <a:pPr marL="0" indent="0">
+              <a:buNone/>
+            </a:pPr>
+            <a:r>
+              <a:rPr lang="en-US" dirty="0" smtClean="0">
+                <a:solidFill>
+                  <a:schemeClr val="bg1">
+                    <a:lumMod val="95000"/>
+                  </a:schemeClr>
+                </a:solidFill>
+              </a:rPr>
+              <a:t>What’s happening in </a:t>
+            </a:r>
+            <a:r>
+              <a:rPr lang="en-US" dirty="0" err="1" smtClean="0">
+                <a:solidFill>
+                  <a:schemeClr val="bg1">
+                    <a:lumMod val="95000"/>
+                  </a:schemeClr>
+                </a:solidFill>
+              </a:rPr>
+              <a:t>animateGraph</a:t>
+            </a:r>
+            <a:r>
+              <a:rPr lang="en-US" dirty="0" smtClean="0">
+                <a:solidFill>
+                  <a:schemeClr val="bg1">
+                    <a:lumMod val="95000"/>
+                  </a:schemeClr>
+                </a:solidFill>
+              </a:rPr>
+              <a:t>?</a:t>
+            </a:r>
+          </a:p>
+          <a:p>
+            <a:pPr marL="0" indent="0">
+              <a:buNone/>
+            </a:pPr>
+            <a:endParaRPr lang="en-US" sz="2000" dirty="0">
+              <a:solidFill>
+                <a:schemeClr val="accent6">
+                  <a:lumMod val="75000"/>
+                </a:schemeClr>
+              </a:solidFill>
+            </a:endParaRPr>
+          </a:p>
+          <a:p>
+            <a:pPr marL="0" indent="0">
+              <a:buNone/>
+            </a:pPr>
+            <a:r>
+              <a:rPr lang="en-US" sz="2000" dirty="0" err="1" smtClean="0">
+                <a:solidFill>
+                  <a:schemeClr val="accent3">
+                    <a:lumMod val="75000"/>
+                  </a:schemeClr>
+                </a:solidFill>
+              </a:rPr>
+              <a:t>ctx.clearRect</a:t>
+            </a:r>
+            <a:r>
+              <a:rPr lang="en-US" sz="2000" dirty="0" smtClean="0">
+                <a:solidFill>
+                  <a:schemeClr val="accent3">
+                    <a:lumMod val="75000"/>
+                  </a:schemeClr>
+                </a:solidFill>
+              </a:rPr>
+              <a:t>(0</a:t>
+            </a:r>
+            <a:r>
+              <a:rPr lang="en-US" sz="2000" dirty="0">
+                <a:solidFill>
+                  <a:schemeClr val="accent3">
+                    <a:lumMod val="75000"/>
+                  </a:schemeClr>
+                </a:solidFill>
+              </a:rPr>
+              <a:t>, 0, </a:t>
+            </a:r>
+            <a:r>
+              <a:rPr lang="en-US" sz="2000" dirty="0" err="1">
+                <a:solidFill>
+                  <a:schemeClr val="accent3">
+                    <a:lumMod val="75000"/>
+                  </a:schemeClr>
+                </a:solidFill>
+              </a:rPr>
+              <a:t>c.width</a:t>
+            </a:r>
+            <a:r>
+              <a:rPr lang="en-US" sz="2000" dirty="0">
+                <a:solidFill>
+                  <a:schemeClr val="accent3">
+                    <a:lumMod val="75000"/>
+                  </a:schemeClr>
+                </a:solidFill>
+              </a:rPr>
+              <a:t>, </a:t>
+            </a:r>
+            <a:r>
+              <a:rPr lang="en-US" sz="2000" dirty="0" err="1">
+                <a:solidFill>
+                  <a:schemeClr val="accent3">
+                    <a:lumMod val="75000"/>
+                  </a:schemeClr>
+                </a:solidFill>
+              </a:rPr>
+              <a:t>c.height</a:t>
+            </a:r>
+            <a:r>
+              <a:rPr lang="en-US" sz="2000" dirty="0">
+                <a:solidFill>
+                  <a:schemeClr val="accent3">
+                    <a:lumMod val="75000"/>
+                  </a:schemeClr>
+                </a:solidFill>
+              </a:rPr>
+              <a:t>) ; </a:t>
+            </a:r>
+            <a:r>
+              <a:rPr lang="en-US" sz="2000" dirty="0">
+                <a:solidFill>
+                  <a:schemeClr val="bg1">
+                    <a:lumMod val="50000"/>
+                  </a:schemeClr>
+                </a:solidFill>
+              </a:rPr>
+              <a:t>//Remember me?</a:t>
+            </a:r>
+          </a:p>
+          <a:p>
+            <a:pPr marL="0" indent="0">
+              <a:buNone/>
+            </a:pPr>
+            <a:endParaRPr lang="en-US" sz="2000" dirty="0" smtClean="0">
+              <a:solidFill>
+                <a:schemeClr val="accent3">
+                  <a:lumMod val="75000"/>
+                </a:schemeClr>
+              </a:solidFill>
+            </a:endParaRPr>
+          </a:p>
+          <a:p>
+            <a:pPr marL="0" indent="0">
+              <a:buNone/>
+            </a:pPr>
+            <a:r>
+              <a:rPr lang="en-US" sz="2000" dirty="0" err="1" smtClean="0">
+                <a:solidFill>
+                  <a:schemeClr val="accent3">
+                    <a:lumMod val="75000"/>
+                  </a:schemeClr>
+                </a:solidFill>
+              </a:rPr>
+              <a:t>ctx.beginPath</a:t>
+            </a:r>
+            <a:r>
+              <a:rPr lang="en-US" sz="2000" dirty="0">
+                <a:solidFill>
+                  <a:schemeClr val="accent3">
+                    <a:lumMod val="75000"/>
+                  </a:schemeClr>
+                </a:solidFill>
+              </a:rPr>
+              <a:t>();</a:t>
+            </a:r>
+          </a:p>
+          <a:p>
+            <a:pPr marL="0" indent="0">
+              <a:buNone/>
+            </a:pPr>
+            <a:r>
+              <a:rPr lang="en-US" sz="2000" dirty="0" err="1" smtClean="0">
+                <a:solidFill>
+                  <a:schemeClr val="accent3">
+                    <a:lumMod val="75000"/>
+                  </a:schemeClr>
+                </a:solidFill>
+              </a:rPr>
+              <a:t>ctx.moveTo</a:t>
+            </a:r>
+            <a:r>
+              <a:rPr lang="en-US" sz="2000" dirty="0" smtClean="0">
+                <a:solidFill>
+                  <a:schemeClr val="accent3">
+                    <a:lumMod val="75000"/>
+                  </a:schemeClr>
+                </a:solidFill>
+              </a:rPr>
+              <a:t>(0 </a:t>
+            </a:r>
+            <a:r>
+              <a:rPr lang="en-US" sz="2000" dirty="0">
+                <a:solidFill>
+                  <a:schemeClr val="accent3">
+                    <a:lumMod val="75000"/>
+                  </a:schemeClr>
+                </a:solidFill>
+              </a:rPr>
+              <a:t>+ </a:t>
+            </a:r>
+            <a:r>
+              <a:rPr lang="en-US" sz="2000" dirty="0" err="1">
+                <a:solidFill>
+                  <a:schemeClr val="accent3">
+                    <a:lumMod val="75000"/>
+                  </a:schemeClr>
+                </a:solidFill>
+              </a:rPr>
+              <a:t>offsetX</a:t>
+            </a:r>
+            <a:r>
+              <a:rPr lang="en-US" sz="2000" dirty="0">
+                <a:solidFill>
+                  <a:schemeClr val="accent3">
+                    <a:lumMod val="75000"/>
+                  </a:schemeClr>
+                </a:solidFill>
+              </a:rPr>
+              <a:t>, </a:t>
+            </a:r>
+            <a:r>
+              <a:rPr lang="en-US" sz="2000" dirty="0" err="1">
+                <a:solidFill>
+                  <a:schemeClr val="accent3">
+                    <a:lumMod val="75000"/>
+                  </a:schemeClr>
+                </a:solidFill>
+              </a:rPr>
+              <a:t>verticalBottom</a:t>
+            </a:r>
+            <a:r>
+              <a:rPr lang="en-US" sz="2000" dirty="0">
+                <a:solidFill>
+                  <a:schemeClr val="accent3">
+                    <a:lumMod val="75000"/>
+                  </a:schemeClr>
+                </a:solidFill>
+              </a:rPr>
+              <a:t>);</a:t>
+            </a:r>
+          </a:p>
+          <a:p>
+            <a:pPr marL="0" indent="0">
+              <a:buNone/>
+            </a:pPr>
+            <a:endParaRPr lang="en-US" sz="2000" dirty="0" smtClean="0">
+              <a:solidFill>
+                <a:schemeClr val="accent3">
+                  <a:lumMod val="75000"/>
+                </a:schemeClr>
+              </a:solidFill>
+            </a:endParaRPr>
+          </a:p>
+          <a:p>
+            <a:pPr marL="0" indent="0">
+              <a:buNone/>
+            </a:pPr>
+            <a:r>
+              <a:rPr lang="en-US" sz="2000" dirty="0" err="1" smtClean="0">
+                <a:solidFill>
+                  <a:schemeClr val="accent3">
+                    <a:lumMod val="75000"/>
+                  </a:schemeClr>
+                </a:solidFill>
+              </a:rPr>
+              <a:t>ctx.bezierCurveTo</a:t>
+            </a:r>
+            <a:r>
+              <a:rPr lang="en-US" sz="2000" dirty="0" smtClean="0">
+                <a:solidFill>
+                  <a:schemeClr val="accent3">
+                    <a:lumMod val="75000"/>
+                  </a:schemeClr>
+                </a:solidFill>
+              </a:rPr>
+              <a:t>(</a:t>
+            </a:r>
+            <a:r>
+              <a:rPr lang="en-US" sz="2000" dirty="0" smtClean="0">
+                <a:solidFill>
+                  <a:srgbClr val="00FF07"/>
+                </a:solidFill>
+              </a:rPr>
+              <a:t>0, 0 </a:t>
+            </a:r>
+            <a:r>
+              <a:rPr lang="en-US" sz="2000" dirty="0" smtClean="0">
+                <a:solidFill>
+                  <a:schemeClr val="accent3">
+                    <a:lumMod val="75000"/>
+                  </a:schemeClr>
+                </a:solidFill>
+              </a:rPr>
+              <a:t>, </a:t>
+            </a:r>
+            <a:r>
+              <a:rPr lang="en-US" sz="2000" dirty="0" smtClean="0">
+                <a:solidFill>
+                  <a:srgbClr val="FF0000"/>
+                </a:solidFill>
+              </a:rPr>
+              <a:t>width/4, </a:t>
+            </a:r>
+            <a:r>
+              <a:rPr lang="en-US" sz="2000" dirty="0" err="1" smtClean="0">
+                <a:solidFill>
+                  <a:srgbClr val="FF0000"/>
+                </a:solidFill>
+              </a:rPr>
+              <a:t>counter.count</a:t>
+            </a:r>
+            <a:r>
+              <a:rPr lang="en-US" sz="2000" dirty="0" smtClean="0">
+                <a:solidFill>
+                  <a:srgbClr val="FF0000"/>
+                </a:solidFill>
+              </a:rPr>
+              <a:t> </a:t>
+            </a:r>
+            <a:r>
+              <a:rPr lang="en-US" sz="2000" dirty="0" smtClean="0">
+                <a:solidFill>
+                  <a:schemeClr val="accent3">
+                    <a:lumMod val="75000"/>
+                  </a:schemeClr>
+                </a:solidFill>
+              </a:rPr>
+              <a:t>, </a:t>
+            </a:r>
+            <a:r>
+              <a:rPr lang="en-US" sz="2000" dirty="0" smtClean="0">
+                <a:solidFill>
+                  <a:srgbClr val="010EFD"/>
+                </a:solidFill>
+              </a:rPr>
+              <a:t>width/2, </a:t>
+            </a:r>
+            <a:r>
+              <a:rPr lang="en-US" sz="2000" dirty="0" err="1" smtClean="0">
+                <a:solidFill>
+                  <a:srgbClr val="010EFD"/>
+                </a:solidFill>
+              </a:rPr>
+              <a:t>counter.count</a:t>
+            </a:r>
+            <a:r>
+              <a:rPr lang="en-US" sz="2000" dirty="0" smtClean="0">
+                <a:solidFill>
+                  <a:schemeClr val="accent3">
+                    <a:lumMod val="75000"/>
+                  </a:schemeClr>
+                </a:solidFill>
+              </a:rPr>
+              <a:t>);</a:t>
+            </a:r>
+            <a:endParaRPr lang="en-US" sz="2000" dirty="0">
+              <a:solidFill>
+                <a:schemeClr val="accent3">
+                  <a:lumMod val="75000"/>
+                </a:schemeClr>
+              </a:solidFill>
+            </a:endParaRPr>
+          </a:p>
+          <a:p>
+            <a:pPr marL="0" indent="0">
+              <a:buNone/>
+            </a:pPr>
+            <a:r>
+              <a:rPr lang="en-US" sz="2000" dirty="0" err="1" smtClean="0">
+                <a:solidFill>
+                  <a:schemeClr val="accent3">
+                    <a:lumMod val="75000"/>
+                  </a:schemeClr>
+                </a:solidFill>
+              </a:rPr>
+              <a:t>ctx.bezierCurveTo</a:t>
+            </a:r>
+            <a:r>
+              <a:rPr lang="en-US" sz="2000" dirty="0" smtClean="0">
+                <a:solidFill>
+                  <a:schemeClr val="accent3">
+                    <a:lumMod val="75000"/>
+                  </a:schemeClr>
+                </a:solidFill>
+              </a:rPr>
+              <a:t>(</a:t>
+            </a:r>
+            <a:r>
+              <a:rPr lang="en-US" sz="2000" dirty="0" smtClean="0">
+                <a:solidFill>
+                  <a:srgbClr val="FF01DE"/>
+                </a:solidFill>
+              </a:rPr>
+              <a:t>width*3/4, </a:t>
+            </a:r>
+            <a:r>
+              <a:rPr lang="en-US" sz="2000" dirty="0" err="1" smtClean="0">
+                <a:solidFill>
+                  <a:srgbClr val="FF01DE"/>
+                </a:solidFill>
+              </a:rPr>
+              <a:t>counter.count</a:t>
+            </a:r>
+            <a:r>
+              <a:rPr lang="en-US" sz="2000" dirty="0" smtClean="0">
+                <a:solidFill>
+                  <a:srgbClr val="FF01DE"/>
+                </a:solidFill>
+              </a:rPr>
+              <a:t> </a:t>
+            </a:r>
+            <a:r>
+              <a:rPr lang="en-US" sz="2000" dirty="0" smtClean="0">
+                <a:solidFill>
+                  <a:schemeClr val="accent3">
+                    <a:lumMod val="75000"/>
+                  </a:schemeClr>
+                </a:solidFill>
+              </a:rPr>
+              <a:t>, </a:t>
+            </a:r>
+            <a:r>
+              <a:rPr lang="en-US" sz="2000" dirty="0" smtClean="0">
+                <a:solidFill>
+                  <a:srgbClr val="01FFFA"/>
+                </a:solidFill>
+              </a:rPr>
+              <a:t>width*3/4, 0 </a:t>
+            </a:r>
+            <a:r>
+              <a:rPr lang="en-US" sz="2000" dirty="0" smtClean="0">
+                <a:solidFill>
+                  <a:schemeClr val="accent3">
+                    <a:lumMod val="75000"/>
+                  </a:schemeClr>
+                </a:solidFill>
+              </a:rPr>
+              <a:t>, </a:t>
+            </a:r>
+            <a:r>
+              <a:rPr lang="en-US" sz="2000" dirty="0" smtClean="0">
+                <a:solidFill>
+                  <a:srgbClr val="FFFF00"/>
+                </a:solidFill>
+              </a:rPr>
+              <a:t>width, 0</a:t>
+            </a:r>
+            <a:r>
+              <a:rPr lang="en-US" sz="2000" dirty="0" smtClean="0">
+                <a:solidFill>
+                  <a:schemeClr val="accent3">
+                    <a:lumMod val="75000"/>
+                  </a:schemeClr>
+                </a:solidFill>
+              </a:rPr>
+              <a:t>);</a:t>
+            </a:r>
+            <a:endParaRPr lang="en-US" sz="2000" dirty="0">
+              <a:solidFill>
+                <a:schemeClr val="accent3">
+                  <a:lumMod val="75000"/>
+                </a:schemeClr>
+              </a:solidFill>
+            </a:endParaRPr>
+          </a:p>
+          <a:p>
+            <a:pPr marL="0" indent="0">
+              <a:buNone/>
+            </a:pPr>
+            <a:endParaRPr lang="en-US" sz="2000" dirty="0">
+              <a:solidFill>
+                <a:schemeClr val="accent3">
+                  <a:lumMod val="75000"/>
+                </a:schemeClr>
+              </a:solidFill>
+            </a:endParaRPr>
+          </a:p>
+          <a:p>
+            <a:pPr marL="0" indent="0">
+              <a:buNone/>
+            </a:pPr>
+            <a:r>
+              <a:rPr lang="en-US" sz="2000" dirty="0" err="1" smtClean="0">
+                <a:solidFill>
+                  <a:schemeClr val="accent3">
+                    <a:lumMod val="75000"/>
+                  </a:schemeClr>
+                </a:solidFill>
+              </a:rPr>
+              <a:t>ctx.fill</a:t>
+            </a:r>
+            <a:r>
+              <a:rPr lang="en-US" sz="2000" dirty="0" smtClean="0">
+                <a:solidFill>
+                  <a:schemeClr val="accent3">
+                    <a:lumMod val="75000"/>
+                  </a:schemeClr>
+                </a:solidFill>
+              </a:rPr>
+              <a:t>();</a:t>
+            </a:r>
+            <a:endParaRPr lang="en-US" sz="2000" dirty="0">
+              <a:solidFill>
+                <a:schemeClr val="bg1">
+                  <a:lumMod val="50000"/>
+                </a:schemeClr>
+              </a:solidFill>
+            </a:endParaRPr>
+          </a:p>
+        </p:txBody>
+      </p:sp>
+      <p:pic>
+        <p:nvPicPr>
+          <p:cNvPr id="4" name="Picture 3"/>
+          <p:cNvPicPr>
+            <a:picLocks noChangeAspect="1"/>
+          </p:cNvPicPr>
+          <p:nvPr/>
+        </p:nvPicPr>
+        <p:blipFill>
+          <a:blip r:embed="rId2">
+            <a:extLst>
+              <a:ext uri="{28A0092B-C50C-407E-A947-70E740481C1C}">
+                <a14:useLocalDpi xmlns:a14="http://schemas.microsoft.com/office/drawing/2010/main" val="0"/>
+              </a:ext>
+            </a:extLst>
+          </a:blip>
+          <a:stretch>
+            <a:fillRect/>
+          </a:stretch>
+        </p:blipFill>
+        <p:spPr>
+          <a:xfrm>
+            <a:off x="6553200" y="5001904"/>
+            <a:ext cx="2590800" cy="1856096"/>
+          </a:xfrm>
+          <a:prstGeom prst="rect">
+            <a:avLst/>
+          </a:prstGeom>
+        </p:spPr>
+      </p:pic>
+    </p:spTree>
+    <p:extLst>
+      <p:ext uri="{BB962C8B-B14F-4D97-AF65-F5344CB8AC3E}">
+        <p14:creationId xmlns:p14="http://schemas.microsoft.com/office/powerpoint/2010/main" val="1321234108"/>
+      </p:ext>
+    </p:extLst>
+  </p:cSld>
+  <p:clrMapOvr>
+    <a:masterClrMapping/>
+  </p:clrMapOvr>
+  <p:timing>
+    <p:tnLst>
+      <p:par>
+        <p:cTn id="1" dur="indefinite" restart="never" nodeType="tmRoot"/>
+      </p:par>
+    </p:tnLst>
+  </p:timing>
+</p:sld>
+</file>
+
+<file path=ppt/slides/slide13.xml><?xml version="1.0" encoding="utf-8"?>
+<p:sld xmlns:a="http://schemas.openxmlformats.org/drawingml/2006/main" xmlns:r="http://schemas.openxmlformats.org/officeDocument/2006/relationships" xmlns:p="http://schemas.openxmlformats.org/presentationml/2006/main">
+  <p:cSld>
+    <p:bg>
+      <p:bgPr>
+        <a:solidFill>
+          <a:schemeClr val="tx1"/>
+        </a:solidFill>
+        <a:effectLst/>
+      </p:bgPr>
+    </p:bg>
+    <p:spTree>
+      <p:nvGrpSpPr>
+        <p:cNvPr id="1" name=""/>
+        <p:cNvGrpSpPr/>
+        <p:nvPr/>
+      </p:nvGrpSpPr>
+      <p:grpSpPr>
+        <a:xfrm>
+          <a:off x="0" y="0"/>
+          <a:ext cx="0" cy="0"/>
+          <a:chOff x="0" y="0"/>
+          <a:chExt cx="0" cy="0"/>
+        </a:xfrm>
+      </p:grpSpPr>
+      <p:sp>
+        <p:nvSpPr>
+          <p:cNvPr id="2" name="Title 1"/>
+          <p:cNvSpPr>
+            <a:spLocks noGrp="1"/>
+          </p:cNvSpPr>
+          <p:nvPr>
+            <p:ph type="title"/>
+          </p:nvPr>
+        </p:nvSpPr>
+        <p:spPr>
+          <a:xfrm>
+            <a:off x="457200" y="274638"/>
+            <a:ext cx="8229600" cy="411162"/>
+          </a:xfrm>
+        </p:spPr>
+        <p:txBody>
+          <a:bodyPr>
+            <a:normAutofit fontScale="90000"/>
+          </a:bodyPr>
+          <a:lstStyle/>
+          <a:p>
+            <a:r>
+              <a:rPr lang="en-US" dirty="0" smtClean="0">
+                <a:solidFill>
+                  <a:schemeClr val="tx2">
+                    <a:lumMod val="60000"/>
+                    <a:lumOff val="40000"/>
+                  </a:schemeClr>
+                </a:solidFill>
+              </a:rPr>
+              <a:t>Support</a:t>
+            </a:r>
+            <a:endParaRPr lang="en-US" dirty="0">
+              <a:solidFill>
+                <a:schemeClr val="tx2">
+                  <a:lumMod val="60000"/>
+                  <a:lumOff val="40000"/>
+                </a:schemeClr>
+              </a:solidFill>
+            </a:endParaRPr>
+          </a:p>
+        </p:txBody>
+      </p:sp>
+      <p:sp>
+        <p:nvSpPr>
+          <p:cNvPr id="3" name="Content Placeholder 2"/>
+          <p:cNvSpPr>
+            <a:spLocks noGrp="1"/>
+          </p:cNvSpPr>
+          <p:nvPr>
+            <p:ph idx="1"/>
+          </p:nvPr>
+        </p:nvSpPr>
+        <p:spPr>
+          <a:xfrm>
+            <a:off x="457200" y="914400"/>
+            <a:ext cx="8229600" cy="5211763"/>
+          </a:xfrm>
+        </p:spPr>
+        <p:txBody>
+          <a:bodyPr>
+            <a:normAutofit/>
+          </a:bodyPr>
+          <a:lstStyle/>
+          <a:p>
+            <a:pPr marL="0" indent="0">
+              <a:buNone/>
+            </a:pPr>
+            <a:r>
+              <a:rPr lang="en-US" dirty="0" smtClean="0">
+                <a:solidFill>
+                  <a:srgbClr val="00C405"/>
+                </a:solidFill>
+              </a:rPr>
+              <a:t>Chrome</a:t>
+            </a:r>
+          </a:p>
+          <a:p>
+            <a:pPr marL="0" indent="0">
+              <a:buNone/>
+            </a:pPr>
+            <a:r>
+              <a:rPr lang="en-US" dirty="0" smtClean="0">
+                <a:solidFill>
+                  <a:srgbClr val="00C405"/>
+                </a:solidFill>
+              </a:rPr>
+              <a:t>Firefox</a:t>
+            </a:r>
+          </a:p>
+          <a:p>
+            <a:pPr marL="0" indent="0">
+              <a:buNone/>
+            </a:pPr>
+            <a:r>
+              <a:rPr lang="en-US" dirty="0" smtClean="0">
+                <a:solidFill>
+                  <a:srgbClr val="00C405"/>
+                </a:solidFill>
+              </a:rPr>
+              <a:t>Safari</a:t>
+            </a:r>
+          </a:p>
+          <a:p>
+            <a:pPr marL="0" indent="0">
+              <a:buNone/>
+            </a:pPr>
+            <a:r>
+              <a:rPr lang="en-US" dirty="0" smtClean="0">
+                <a:solidFill>
+                  <a:srgbClr val="00C405"/>
+                </a:solidFill>
+              </a:rPr>
+              <a:t>iOS Safari</a:t>
+            </a:r>
+          </a:p>
+          <a:p>
+            <a:pPr marL="0" indent="0">
+              <a:buNone/>
+            </a:pPr>
+            <a:r>
+              <a:rPr lang="en-US" dirty="0" smtClean="0">
+                <a:solidFill>
+                  <a:srgbClr val="00C405"/>
+                </a:solidFill>
+              </a:rPr>
+              <a:t>Android Chrome</a:t>
+            </a:r>
+          </a:p>
+          <a:p>
+            <a:pPr marL="0" indent="0">
+              <a:buNone/>
+            </a:pPr>
+            <a:r>
+              <a:rPr lang="en-US" dirty="0">
+                <a:solidFill>
+                  <a:srgbClr val="FF0000"/>
+                </a:solidFill>
+              </a:rPr>
+              <a:t>IE8</a:t>
+            </a:r>
+          </a:p>
+          <a:p>
+            <a:pPr marL="0" indent="0">
+              <a:buNone/>
+            </a:pPr>
+            <a:r>
+              <a:rPr lang="en-US" dirty="0">
+                <a:solidFill>
+                  <a:srgbClr val="00C405"/>
+                </a:solidFill>
+              </a:rPr>
+              <a:t>IE9</a:t>
+            </a:r>
+            <a:r>
+              <a:rPr lang="en-US" dirty="0" smtClean="0">
+                <a:solidFill>
+                  <a:srgbClr val="00C405"/>
+                </a:solidFill>
+              </a:rPr>
+              <a:t>+</a:t>
+            </a:r>
+            <a:endParaRPr lang="en-US" dirty="0">
+              <a:solidFill>
+                <a:srgbClr val="00C405"/>
+              </a:solidFill>
+            </a:endParaRPr>
+          </a:p>
+        </p:txBody>
+      </p:sp>
+    </p:spTree>
+    <p:extLst>
+      <p:ext uri="{BB962C8B-B14F-4D97-AF65-F5344CB8AC3E}">
+        <p14:creationId xmlns:p14="http://schemas.microsoft.com/office/powerpoint/2010/main" val="1188209553"/>
+      </p:ext>
+    </p:extLst>
+  </p:cSld>
+  <p:clrMapOvr>
+    <a:masterClrMapping/>
+  </p:clrMapOvr>
+  <p:timing>
+    <p:tnLst>
+      <p:par>
+        <p:cTn id="1" dur="indefinite" restart="never" nodeType="tmRoot"/>
+      </p:par>
+    </p:tnLst>
+  </p:timing>
+</p:sld>
+</file>
+
+<file path=ppt/slides/slide14.xml><?xml version="1.0" encoding="utf-8"?>
+<p:sld xmlns:a="http://schemas.openxmlformats.org/drawingml/2006/main" xmlns:r="http://schemas.openxmlformats.org/officeDocument/2006/relationships" xmlns:p="http://schemas.openxmlformats.org/presentationml/2006/main">
+  <p:cSld>
+    <p:bg>
+      <p:bgPr>
+        <a:solidFill>
+          <a:schemeClr val="tx1"/>
+        </a:solidFill>
+        <a:effectLst/>
+      </p:bgPr>
+    </p:bg>
+    <p:spTree>
+      <p:nvGrpSpPr>
+        <p:cNvPr id="1" name=""/>
+        <p:cNvGrpSpPr/>
+        <p:nvPr/>
+      </p:nvGrpSpPr>
+      <p:grpSpPr>
+        <a:xfrm>
+          <a:off x="0" y="0"/>
+          <a:ext cx="0" cy="0"/>
+          <a:chOff x="0" y="0"/>
+          <a:chExt cx="0" cy="0"/>
+        </a:xfrm>
+      </p:grpSpPr>
+      <p:sp>
+        <p:nvSpPr>
+          <p:cNvPr id="2" name="Title 1"/>
+          <p:cNvSpPr>
+            <a:spLocks noGrp="1"/>
+          </p:cNvSpPr>
+          <p:nvPr>
+            <p:ph type="title"/>
+          </p:nvPr>
+        </p:nvSpPr>
+        <p:spPr>
+          <a:xfrm>
+            <a:off x="437072" y="2362200"/>
+            <a:ext cx="8229600" cy="715962"/>
+          </a:xfrm>
+        </p:spPr>
+        <p:txBody>
+          <a:bodyPr>
+            <a:noAutofit/>
+          </a:bodyPr>
+          <a:lstStyle/>
+          <a:p>
+            <a:r>
+              <a:rPr lang="en-US" sz="6000" dirty="0" smtClean="0">
+                <a:solidFill>
+                  <a:schemeClr val="tx2">
+                    <a:lumMod val="60000"/>
+                    <a:lumOff val="40000"/>
+                  </a:schemeClr>
+                </a:solidFill>
+              </a:rPr>
+              <a:t>Questions?</a:t>
+            </a:r>
+            <a:endParaRPr lang="en-US" sz="6000" dirty="0">
+              <a:solidFill>
+                <a:schemeClr val="tx2">
+                  <a:lumMod val="60000"/>
+                  <a:lumOff val="40000"/>
+                </a:schemeClr>
+              </a:solidFill>
+            </a:endParaRPr>
+          </a:p>
+        </p:txBody>
+      </p:sp>
+      <p:sp>
+        <p:nvSpPr>
+          <p:cNvPr id="3" name="Content Placeholder 2"/>
+          <p:cNvSpPr>
+            <a:spLocks noGrp="1"/>
+          </p:cNvSpPr>
+          <p:nvPr>
+            <p:ph idx="1"/>
+          </p:nvPr>
+        </p:nvSpPr>
+        <p:spPr>
+          <a:xfrm>
+            <a:off x="457200" y="5334000"/>
+            <a:ext cx="8229600" cy="792163"/>
+          </a:xfrm>
+        </p:spPr>
+        <p:txBody>
+          <a:bodyPr>
+            <a:normAutofit/>
+          </a:bodyPr>
+          <a:lstStyle/>
+          <a:p>
+            <a:pPr marL="0" indent="0">
+              <a:buNone/>
+            </a:pPr>
+            <a:r>
+              <a:rPr lang="en-US" dirty="0" smtClean="0">
+                <a:solidFill>
+                  <a:srgbClr val="00C405"/>
+                </a:solidFill>
+              </a:rPr>
+              <a:t>Thanks for listening!</a:t>
+            </a:r>
+            <a:endParaRPr lang="en-US" dirty="0">
+              <a:solidFill>
+                <a:srgbClr val="00C405"/>
+              </a:solidFill>
+            </a:endParaRPr>
+          </a:p>
+        </p:txBody>
+      </p:sp>
+    </p:spTree>
+    <p:extLst>
+      <p:ext uri="{BB962C8B-B14F-4D97-AF65-F5344CB8AC3E}">
+        <p14:creationId xmlns:p14="http://schemas.microsoft.com/office/powerpoint/2010/main" val="3377773925"/>
+      </p:ext>
+    </p:extLst>
+  </p:cSld>
+  <p:clrMapOvr>
+    <a:masterClrMapping/>
+  </p:clrMapOvr>
+  <p:timing>
+    <p:tnLst>
+      <p:par>
+        <p:cTn id="1" dur="indefinite" restart="never" nodeType="tmRoot"/>
+      </p:par>
+    </p:tnLst>
+  </p:timing>
+</p:sld>
+</file>
+
 <file path=ppt/slides/slide2.xml><?xml version="1.0" encoding="utf-8"?>
 <p:sld xmlns:a="http://schemas.openxmlformats.org/drawingml/2006/main" xmlns:r="http://schemas.openxmlformats.org/officeDocument/2006/relationships" xmlns:p="http://schemas.openxmlformats.org/presentationml/2006/main">
   <p:cSld>
@@ -3272,6 +5135,13 @@
   <p:clrMapOvr>
     <a:masterClrMapping/>
   </p:clrMapOvr>
+  <p:timing>
+    <p:tnLst>
+      <p:par>
+        <p:cTn id="1" dur="indefinite" restart="never" nodeType="tmRoot"/>
+      </p:par>
+    </p:tnLst>
+  </p:timing>
 </p:sld>
 </file>
 
@@ -3350,6 +5220,13 @@
   <p:clrMapOvr>
     <a:masterClrMapping/>
   </p:clrMapOvr>
+  <p:timing>
+    <p:tnLst>
+      <p:par>
+        <p:cTn id="1" dur="indefinite" restart="never" nodeType="tmRoot"/>
+      </p:par>
+    </p:tnLst>
+  </p:timing>
 </p:sld>
 </file>
 
@@ -3453,6 +5330,3283 @@
     <p:extLst>
       <p:ext uri="{BB962C8B-B14F-4D97-AF65-F5344CB8AC3E}">
         <p14:creationId xmlns:p14="http://schemas.microsoft.com/office/powerpoint/2010/main" val="2955239880"/>
+      </p:ext>
+    </p:extLst>
+  </p:cSld>
+  <p:clrMapOvr>
+    <a:masterClrMapping/>
+  </p:clrMapOvr>
+  <p:timing>
+    <p:tnLst>
+      <p:par>
+        <p:cTn id="1" dur="indefinite" restart="never" nodeType="tmRoot"/>
+      </p:par>
+    </p:tnLst>
+  </p:timing>
+</p:sld>
+</file>
+
+<file path=ppt/slides/slide5.xml><?xml version="1.0" encoding="utf-8"?>
+<p:sld xmlns:a="http://schemas.openxmlformats.org/drawingml/2006/main" xmlns:r="http://schemas.openxmlformats.org/officeDocument/2006/relationships" xmlns:p="http://schemas.openxmlformats.org/presentationml/2006/main">
+  <p:cSld>
+    <p:bg>
+      <p:bgPr>
+        <a:solidFill>
+          <a:schemeClr val="tx1"/>
+        </a:solidFill>
+        <a:effectLst/>
+      </p:bgPr>
+    </p:bg>
+    <p:spTree>
+      <p:nvGrpSpPr>
+        <p:cNvPr id="1" name=""/>
+        <p:cNvGrpSpPr/>
+        <p:nvPr/>
+      </p:nvGrpSpPr>
+      <p:grpSpPr>
+        <a:xfrm>
+          <a:off x="0" y="0"/>
+          <a:ext cx="0" cy="0"/>
+          <a:chOff x="0" y="0"/>
+          <a:chExt cx="0" cy="0"/>
+        </a:xfrm>
+      </p:grpSpPr>
+      <p:sp>
+        <p:nvSpPr>
+          <p:cNvPr id="2" name="Title 1"/>
+          <p:cNvSpPr>
+            <a:spLocks noGrp="1"/>
+          </p:cNvSpPr>
+          <p:nvPr>
+            <p:ph type="title"/>
+          </p:nvPr>
+        </p:nvSpPr>
+        <p:spPr>
+          <a:xfrm>
+            <a:off x="457200" y="274638"/>
+            <a:ext cx="8229600" cy="411162"/>
+          </a:xfrm>
+        </p:spPr>
+        <p:txBody>
+          <a:bodyPr>
+            <a:normAutofit fontScale="90000"/>
+          </a:bodyPr>
+          <a:lstStyle/>
+          <a:p>
+            <a:r>
+              <a:rPr lang="en-US" dirty="0" smtClean="0">
+                <a:solidFill>
+                  <a:schemeClr val="tx2">
+                    <a:lumMod val="60000"/>
+                    <a:lumOff val="40000"/>
+                  </a:schemeClr>
+                </a:solidFill>
+              </a:rPr>
+              <a:t>Getting Started</a:t>
+            </a:r>
+            <a:endParaRPr lang="en-US" dirty="0">
+              <a:solidFill>
+                <a:schemeClr val="tx2">
+                  <a:lumMod val="60000"/>
+                  <a:lumOff val="40000"/>
+                </a:schemeClr>
+              </a:solidFill>
+            </a:endParaRPr>
+          </a:p>
+        </p:txBody>
+      </p:sp>
+      <p:sp>
+        <p:nvSpPr>
+          <p:cNvPr id="3" name="Content Placeholder 2"/>
+          <p:cNvSpPr>
+            <a:spLocks noGrp="1"/>
+          </p:cNvSpPr>
+          <p:nvPr>
+            <p:ph idx="1"/>
+          </p:nvPr>
+        </p:nvSpPr>
+        <p:spPr>
+          <a:xfrm>
+            <a:off x="457200" y="914400"/>
+            <a:ext cx="8229600" cy="5211763"/>
+          </a:xfrm>
+        </p:spPr>
+        <p:txBody>
+          <a:bodyPr/>
+          <a:lstStyle/>
+          <a:p>
+            <a:pPr marL="0" indent="0">
+              <a:buNone/>
+            </a:pPr>
+            <a:endParaRPr lang="en-US" dirty="0" smtClean="0">
+              <a:solidFill>
+                <a:schemeClr val="bg1">
+                  <a:lumMod val="95000"/>
+                </a:schemeClr>
+              </a:solidFill>
+            </a:endParaRPr>
+          </a:p>
+          <a:p>
+            <a:pPr marL="0" indent="0">
+              <a:buNone/>
+            </a:pPr>
+            <a:r>
+              <a:rPr lang="en-US" dirty="0" smtClean="0">
+                <a:solidFill>
+                  <a:schemeClr val="bg1">
+                    <a:lumMod val="95000"/>
+                  </a:schemeClr>
+                </a:solidFill>
+              </a:rPr>
+              <a:t>HTML: </a:t>
+            </a:r>
+          </a:p>
+          <a:p>
+            <a:pPr marL="0" indent="0">
+              <a:buNone/>
+            </a:pPr>
+            <a:r>
+              <a:rPr lang="en-US" sz="2000" dirty="0">
+                <a:solidFill>
+                  <a:schemeClr val="accent3">
+                    <a:lumMod val="75000"/>
+                  </a:schemeClr>
+                </a:solidFill>
+              </a:rPr>
+              <a:t>&lt;canvas </a:t>
+            </a:r>
+            <a:r>
+              <a:rPr lang="en-US" sz="2000" dirty="0" smtClean="0">
+                <a:solidFill>
+                  <a:schemeClr val="accent3">
+                    <a:lumMod val="75000"/>
+                  </a:schemeClr>
+                </a:solidFill>
+              </a:rPr>
+              <a:t>width</a:t>
+            </a:r>
+            <a:r>
+              <a:rPr lang="en-US" sz="2000" dirty="0">
+                <a:solidFill>
+                  <a:schemeClr val="accent3">
+                    <a:lumMod val="75000"/>
+                  </a:schemeClr>
+                </a:solidFill>
+              </a:rPr>
+              <a:t>="700" height="</a:t>
+            </a:r>
+            <a:r>
+              <a:rPr lang="en-US" sz="2000" dirty="0" smtClean="0">
+                <a:solidFill>
+                  <a:schemeClr val="accent3">
+                    <a:lumMod val="75000"/>
+                  </a:schemeClr>
+                </a:solidFill>
+              </a:rPr>
+              <a:t>450"&gt;&lt;/</a:t>
+            </a:r>
+            <a:r>
+              <a:rPr lang="en-US" sz="2000" dirty="0">
+                <a:solidFill>
+                  <a:schemeClr val="accent3">
+                    <a:lumMod val="75000"/>
+                  </a:schemeClr>
+                </a:solidFill>
+              </a:rPr>
+              <a:t>canvas</a:t>
+            </a:r>
+            <a:r>
+              <a:rPr lang="en-US" sz="2000" dirty="0" smtClean="0">
+                <a:solidFill>
+                  <a:schemeClr val="accent3">
+                    <a:lumMod val="75000"/>
+                  </a:schemeClr>
+                </a:solidFill>
+              </a:rPr>
+              <a:t>&gt;</a:t>
+            </a:r>
+          </a:p>
+          <a:p>
+            <a:pPr marL="0" indent="0">
+              <a:buNone/>
+            </a:pPr>
+            <a:endParaRPr lang="en-US" sz="2000" dirty="0" smtClean="0">
+              <a:solidFill>
+                <a:schemeClr val="accent3">
+                  <a:lumMod val="75000"/>
+                </a:schemeClr>
+              </a:solidFill>
+            </a:endParaRPr>
+          </a:p>
+          <a:p>
+            <a:pPr marL="0" indent="0">
+              <a:buNone/>
+            </a:pPr>
+            <a:endParaRPr lang="en-US" sz="2000" dirty="0">
+              <a:solidFill>
+                <a:schemeClr val="accent3">
+                  <a:lumMod val="75000"/>
+                </a:schemeClr>
+              </a:solidFill>
+            </a:endParaRPr>
+          </a:p>
+          <a:p>
+            <a:pPr marL="0" indent="0">
+              <a:buNone/>
+            </a:pPr>
+            <a:r>
+              <a:rPr lang="en-US" dirty="0" err="1" smtClean="0">
+                <a:solidFill>
+                  <a:schemeClr val="bg1">
+                    <a:lumMod val="95000"/>
+                  </a:schemeClr>
+                </a:solidFill>
+              </a:rPr>
+              <a:t>Javascript</a:t>
+            </a:r>
+            <a:r>
+              <a:rPr lang="en-US" dirty="0" smtClean="0">
+                <a:solidFill>
+                  <a:schemeClr val="bg1">
+                    <a:lumMod val="95000"/>
+                  </a:schemeClr>
+                </a:solidFill>
+              </a:rPr>
+              <a:t>: </a:t>
+            </a:r>
+          </a:p>
+          <a:p>
+            <a:pPr marL="0" indent="0">
+              <a:buNone/>
+            </a:pPr>
+            <a:endParaRPr lang="en-US" sz="2000" dirty="0" smtClean="0">
+              <a:solidFill>
+                <a:schemeClr val="accent3">
+                  <a:lumMod val="75000"/>
+                </a:schemeClr>
+              </a:solidFill>
+            </a:endParaRPr>
+          </a:p>
+          <a:p>
+            <a:pPr marL="0" indent="0">
+              <a:buNone/>
+            </a:pPr>
+            <a:r>
+              <a:rPr lang="en-US" sz="2000" dirty="0" smtClean="0">
+                <a:solidFill>
+                  <a:schemeClr val="accent3">
+                    <a:lumMod val="75000"/>
+                  </a:schemeClr>
+                </a:solidFill>
+              </a:rPr>
+              <a:t>&lt;</a:t>
+            </a:r>
+            <a:r>
+              <a:rPr lang="en-US" sz="2000" dirty="0">
+                <a:solidFill>
+                  <a:schemeClr val="accent3">
+                    <a:lumMod val="75000"/>
+                  </a:schemeClr>
+                </a:solidFill>
+              </a:rPr>
+              <a:t>script </a:t>
+            </a:r>
+            <a:r>
+              <a:rPr lang="en-US" sz="2000" dirty="0" err="1">
+                <a:solidFill>
+                  <a:schemeClr val="accent3">
+                    <a:lumMod val="75000"/>
+                  </a:schemeClr>
+                </a:solidFill>
+              </a:rPr>
+              <a:t>src</a:t>
+            </a:r>
+            <a:r>
+              <a:rPr lang="en-US" sz="2000" dirty="0">
+                <a:solidFill>
+                  <a:schemeClr val="accent3">
+                    <a:lumMod val="75000"/>
+                  </a:schemeClr>
+                </a:solidFill>
+              </a:rPr>
+              <a:t>="</a:t>
+            </a:r>
+            <a:r>
+              <a:rPr lang="en-US" sz="2000" dirty="0" err="1">
+                <a:solidFill>
+                  <a:schemeClr val="accent3">
+                    <a:lumMod val="75000"/>
+                  </a:schemeClr>
+                </a:solidFill>
+              </a:rPr>
+              <a:t>js</a:t>
+            </a:r>
+            <a:r>
+              <a:rPr lang="en-US" sz="2000" dirty="0">
+                <a:solidFill>
+                  <a:schemeClr val="accent3">
+                    <a:lumMod val="75000"/>
+                  </a:schemeClr>
+                </a:solidFill>
+              </a:rPr>
+              <a:t>/TweenMax.min.js" type="text/</a:t>
+            </a:r>
+            <a:r>
+              <a:rPr lang="en-US" sz="2000" dirty="0" err="1">
+                <a:solidFill>
+                  <a:schemeClr val="accent3">
+                    <a:lumMod val="75000"/>
+                  </a:schemeClr>
+                </a:solidFill>
+              </a:rPr>
+              <a:t>javascript</a:t>
+            </a:r>
+            <a:r>
+              <a:rPr lang="en-US" sz="2000" dirty="0">
+                <a:solidFill>
+                  <a:schemeClr val="accent3">
+                    <a:lumMod val="75000"/>
+                  </a:schemeClr>
+                </a:solidFill>
+              </a:rPr>
+              <a:t>"&gt;&lt;/script</a:t>
+            </a:r>
+            <a:r>
+              <a:rPr lang="en-US" sz="2000" dirty="0" smtClean="0">
+                <a:solidFill>
+                  <a:schemeClr val="accent3">
+                    <a:lumMod val="75000"/>
+                  </a:schemeClr>
+                </a:solidFill>
+              </a:rPr>
+              <a:t>&gt;</a:t>
+            </a:r>
+            <a:endParaRPr lang="en-US" sz="2000" dirty="0">
+              <a:solidFill>
+                <a:schemeClr val="accent3">
+                  <a:lumMod val="75000"/>
+                </a:schemeClr>
+              </a:solidFill>
+            </a:endParaRPr>
+          </a:p>
+        </p:txBody>
+      </p:sp>
+    </p:spTree>
+    <p:extLst>
+      <p:ext uri="{BB962C8B-B14F-4D97-AF65-F5344CB8AC3E}">
+        <p14:creationId xmlns:p14="http://schemas.microsoft.com/office/powerpoint/2010/main" val="2035910464"/>
+      </p:ext>
+    </p:extLst>
+  </p:cSld>
+  <p:clrMapOvr>
+    <a:masterClrMapping/>
+  </p:clrMapOvr>
+  <p:timing>
+    <p:tnLst>
+      <p:par>
+        <p:cTn id="1" dur="indefinite" restart="never" nodeType="tmRoot"/>
+      </p:par>
+    </p:tnLst>
+  </p:timing>
+</p:sld>
+</file>
+
+<file path=ppt/slides/slide6.xml><?xml version="1.0" encoding="utf-8"?>
+<p:sld xmlns:a="http://schemas.openxmlformats.org/drawingml/2006/main" xmlns:r="http://schemas.openxmlformats.org/officeDocument/2006/relationships" xmlns:p="http://schemas.openxmlformats.org/presentationml/2006/main">
+  <p:cSld>
+    <p:bg>
+      <p:bgPr>
+        <a:solidFill>
+          <a:schemeClr val="tx1"/>
+        </a:solidFill>
+        <a:effectLst/>
+      </p:bgPr>
+    </p:bg>
+    <p:spTree>
+      <p:nvGrpSpPr>
+        <p:cNvPr id="1" name=""/>
+        <p:cNvGrpSpPr/>
+        <p:nvPr/>
+      </p:nvGrpSpPr>
+      <p:grpSpPr>
+        <a:xfrm>
+          <a:off x="0" y="0"/>
+          <a:ext cx="0" cy="0"/>
+          <a:chOff x="0" y="0"/>
+          <a:chExt cx="0" cy="0"/>
+        </a:xfrm>
+      </p:grpSpPr>
+      <p:sp>
+        <p:nvSpPr>
+          <p:cNvPr id="2" name="Title 1"/>
+          <p:cNvSpPr>
+            <a:spLocks noGrp="1"/>
+          </p:cNvSpPr>
+          <p:nvPr>
+            <p:ph type="title"/>
+          </p:nvPr>
+        </p:nvSpPr>
+        <p:spPr>
+          <a:xfrm>
+            <a:off x="457200" y="274638"/>
+            <a:ext cx="8229600" cy="411162"/>
+          </a:xfrm>
+        </p:spPr>
+        <p:txBody>
+          <a:bodyPr>
+            <a:normAutofit fontScale="90000"/>
+          </a:bodyPr>
+          <a:lstStyle/>
+          <a:p>
+            <a:r>
+              <a:rPr lang="en-US" dirty="0" smtClean="0">
+                <a:solidFill>
+                  <a:schemeClr val="tx2">
+                    <a:lumMod val="60000"/>
+                    <a:lumOff val="40000"/>
+                  </a:schemeClr>
+                </a:solidFill>
+              </a:rPr>
+              <a:t>The Canvas</a:t>
+            </a:r>
+            <a:endParaRPr lang="en-US" dirty="0">
+              <a:solidFill>
+                <a:schemeClr val="tx2">
+                  <a:lumMod val="60000"/>
+                  <a:lumOff val="40000"/>
+                </a:schemeClr>
+              </a:solidFill>
+            </a:endParaRPr>
+          </a:p>
+        </p:txBody>
+      </p:sp>
+      <p:sp>
+        <p:nvSpPr>
+          <p:cNvPr id="3" name="Content Placeholder 2"/>
+          <p:cNvSpPr>
+            <a:spLocks noGrp="1"/>
+          </p:cNvSpPr>
+          <p:nvPr>
+            <p:ph idx="1"/>
+          </p:nvPr>
+        </p:nvSpPr>
+        <p:spPr>
+          <a:xfrm>
+            <a:off x="457200" y="914400"/>
+            <a:ext cx="8229600" cy="5211763"/>
+          </a:xfrm>
+        </p:spPr>
+        <p:txBody>
+          <a:bodyPr/>
+          <a:lstStyle/>
+          <a:p>
+            <a:pPr marL="0" indent="0">
+              <a:buNone/>
+            </a:pPr>
+            <a:r>
+              <a:rPr lang="en-US" dirty="0" smtClean="0">
+                <a:solidFill>
+                  <a:schemeClr val="bg1">
+                    <a:lumMod val="95000"/>
+                  </a:schemeClr>
+                </a:solidFill>
+              </a:rPr>
+              <a:t>Setting up our Canvas: </a:t>
+            </a:r>
+          </a:p>
+          <a:p>
+            <a:pPr marL="0" indent="0">
+              <a:buNone/>
+            </a:pPr>
+            <a:endParaRPr lang="en-US" sz="2000" dirty="0" smtClean="0">
+              <a:solidFill>
+                <a:schemeClr val="accent3">
+                  <a:lumMod val="75000"/>
+                </a:schemeClr>
+              </a:solidFill>
+            </a:endParaRPr>
+          </a:p>
+          <a:p>
+            <a:pPr marL="0" indent="0">
+              <a:buNone/>
+            </a:pPr>
+            <a:r>
+              <a:rPr lang="en-US" sz="2000" dirty="0" smtClean="0">
+                <a:solidFill>
+                  <a:schemeClr val="accent6">
+                    <a:lumMod val="75000"/>
+                  </a:schemeClr>
+                </a:solidFill>
+              </a:rPr>
+              <a:t>Set our Context: </a:t>
+            </a:r>
+            <a:endParaRPr lang="en-US" sz="2000" dirty="0">
+              <a:solidFill>
+                <a:schemeClr val="accent6">
+                  <a:lumMod val="75000"/>
+                </a:schemeClr>
+              </a:solidFill>
+            </a:endParaRPr>
+          </a:p>
+          <a:p>
+            <a:pPr marL="0" indent="0">
+              <a:buNone/>
+            </a:pPr>
+            <a:r>
+              <a:rPr lang="en-US" sz="2000" dirty="0" err="1" smtClean="0">
+                <a:solidFill>
+                  <a:schemeClr val="accent3">
+                    <a:lumMod val="75000"/>
+                  </a:schemeClr>
+                </a:solidFill>
+              </a:rPr>
+              <a:t>var</a:t>
+            </a:r>
+            <a:r>
+              <a:rPr lang="en-US" sz="2000" dirty="0" smtClean="0">
+                <a:solidFill>
+                  <a:schemeClr val="accent3">
+                    <a:lumMod val="75000"/>
+                  </a:schemeClr>
+                </a:solidFill>
+              </a:rPr>
+              <a:t> </a:t>
+            </a:r>
+            <a:r>
+              <a:rPr lang="en-US" sz="2000" dirty="0">
+                <a:solidFill>
+                  <a:schemeClr val="accent3">
+                    <a:lumMod val="75000"/>
+                  </a:schemeClr>
+                </a:solidFill>
+              </a:rPr>
+              <a:t>c = </a:t>
+            </a:r>
+            <a:r>
+              <a:rPr lang="en-US" sz="2000" dirty="0" err="1" smtClean="0">
+                <a:solidFill>
+                  <a:schemeClr val="accent3">
+                    <a:lumMod val="75000"/>
+                  </a:schemeClr>
+                </a:solidFill>
+              </a:rPr>
+              <a:t>document.getElementByTagName</a:t>
+            </a:r>
+            <a:r>
+              <a:rPr lang="en-US" sz="2000" dirty="0" smtClean="0">
+                <a:solidFill>
+                  <a:schemeClr val="accent3">
+                    <a:lumMod val="75000"/>
+                  </a:schemeClr>
+                </a:solidFill>
+              </a:rPr>
+              <a:t>(</a:t>
+            </a:r>
+            <a:r>
+              <a:rPr lang="en-US" sz="2000" dirty="0">
+                <a:solidFill>
+                  <a:schemeClr val="accent3">
+                    <a:lumMod val="75000"/>
+                  </a:schemeClr>
+                </a:solidFill>
+              </a:rPr>
+              <a:t>"</a:t>
+            </a:r>
+            <a:r>
+              <a:rPr lang="en-US" sz="2000" dirty="0" smtClean="0">
+                <a:solidFill>
+                  <a:schemeClr val="accent3">
+                    <a:lumMod val="75000"/>
+                  </a:schemeClr>
+                </a:solidFill>
+              </a:rPr>
+              <a:t>canvas");</a:t>
+            </a:r>
+            <a:endParaRPr lang="en-US" sz="2000" dirty="0">
+              <a:solidFill>
+                <a:schemeClr val="accent3">
+                  <a:lumMod val="75000"/>
+                </a:schemeClr>
+              </a:solidFill>
+            </a:endParaRPr>
+          </a:p>
+          <a:p>
+            <a:pPr marL="0" indent="0">
+              <a:buNone/>
+            </a:pPr>
+            <a:r>
+              <a:rPr lang="en-US" sz="2000" dirty="0" err="1" smtClean="0">
+                <a:solidFill>
+                  <a:schemeClr val="accent3">
+                    <a:lumMod val="75000"/>
+                  </a:schemeClr>
+                </a:solidFill>
+              </a:rPr>
+              <a:t>var</a:t>
+            </a:r>
+            <a:r>
+              <a:rPr lang="en-US" sz="2000" dirty="0" smtClean="0">
+                <a:solidFill>
+                  <a:schemeClr val="accent3">
+                    <a:lumMod val="75000"/>
+                  </a:schemeClr>
+                </a:solidFill>
+              </a:rPr>
+              <a:t> </a:t>
+            </a:r>
+            <a:r>
+              <a:rPr lang="en-US" sz="2000" dirty="0" err="1">
+                <a:solidFill>
+                  <a:schemeClr val="accent3">
+                    <a:lumMod val="75000"/>
+                  </a:schemeClr>
+                </a:solidFill>
+              </a:rPr>
+              <a:t>ctx</a:t>
+            </a:r>
+            <a:r>
+              <a:rPr lang="en-US" sz="2000" dirty="0">
+                <a:solidFill>
+                  <a:schemeClr val="accent3">
+                    <a:lumMod val="75000"/>
+                  </a:schemeClr>
+                </a:solidFill>
+              </a:rPr>
+              <a:t> = </a:t>
+            </a:r>
+            <a:r>
+              <a:rPr lang="en-US" sz="2000" dirty="0" err="1">
+                <a:solidFill>
+                  <a:schemeClr val="accent3">
+                    <a:lumMod val="75000"/>
+                  </a:schemeClr>
+                </a:solidFill>
+              </a:rPr>
+              <a:t>c.getContext</a:t>
+            </a:r>
+            <a:r>
+              <a:rPr lang="en-US" sz="2000" dirty="0">
+                <a:solidFill>
+                  <a:schemeClr val="accent3">
+                    <a:lumMod val="75000"/>
+                  </a:schemeClr>
+                </a:solidFill>
+              </a:rPr>
+              <a:t>("2d");</a:t>
+            </a:r>
+            <a:endParaRPr lang="en-US" sz="2000" dirty="0" smtClean="0">
+              <a:solidFill>
+                <a:schemeClr val="accent3">
+                  <a:lumMod val="75000"/>
+                </a:schemeClr>
+              </a:solidFill>
+            </a:endParaRPr>
+          </a:p>
+          <a:p>
+            <a:pPr marL="0" indent="0">
+              <a:buNone/>
+            </a:pPr>
+            <a:endParaRPr lang="en-US" sz="2000" dirty="0" smtClean="0">
+              <a:solidFill>
+                <a:schemeClr val="accent3">
+                  <a:lumMod val="75000"/>
+                </a:schemeClr>
+              </a:solidFill>
+            </a:endParaRPr>
+          </a:p>
+          <a:p>
+            <a:pPr marL="0" indent="0">
+              <a:buNone/>
+            </a:pPr>
+            <a:r>
+              <a:rPr lang="en-US" sz="2000" dirty="0" smtClean="0">
+                <a:solidFill>
+                  <a:schemeClr val="accent6">
+                    <a:lumMod val="75000"/>
+                  </a:schemeClr>
+                </a:solidFill>
+              </a:rPr>
+              <a:t>Style the canvas drawing:</a:t>
+            </a:r>
+            <a:endParaRPr lang="en-US" sz="2000" dirty="0">
+              <a:solidFill>
+                <a:schemeClr val="accent6">
+                  <a:lumMod val="75000"/>
+                </a:schemeClr>
+              </a:solidFill>
+            </a:endParaRPr>
+          </a:p>
+          <a:p>
+            <a:pPr marL="0" indent="0">
+              <a:buNone/>
+            </a:pPr>
+            <a:r>
+              <a:rPr lang="en-US" sz="2000" dirty="0" err="1">
+                <a:solidFill>
+                  <a:schemeClr val="accent3">
+                    <a:lumMod val="75000"/>
+                  </a:schemeClr>
+                </a:solidFill>
+              </a:rPr>
+              <a:t>ctx.fillStyle</a:t>
+            </a:r>
+            <a:r>
+              <a:rPr lang="en-US" sz="2000" dirty="0">
+                <a:solidFill>
+                  <a:schemeClr val="accent3">
+                    <a:lumMod val="75000"/>
+                  </a:schemeClr>
+                </a:solidFill>
+              </a:rPr>
+              <a:t> = </a:t>
+            </a:r>
+            <a:r>
+              <a:rPr lang="en-US" sz="2000" dirty="0" smtClean="0">
+                <a:solidFill>
+                  <a:schemeClr val="accent3">
+                    <a:lumMod val="75000"/>
+                  </a:schemeClr>
+                </a:solidFill>
+              </a:rPr>
+              <a:t>#color; </a:t>
+            </a:r>
+            <a:r>
+              <a:rPr lang="en-US" sz="2000" dirty="0" smtClean="0">
+                <a:solidFill>
+                  <a:schemeClr val="bg1">
+                    <a:lumMod val="50000"/>
+                  </a:schemeClr>
+                </a:solidFill>
+              </a:rPr>
+              <a:t>//Set the color to fill the drawn object with</a:t>
+            </a:r>
+          </a:p>
+          <a:p>
+            <a:pPr marL="0" indent="0">
+              <a:buNone/>
+            </a:pPr>
+            <a:r>
+              <a:rPr lang="en-US" sz="2000" dirty="0" err="1" smtClean="0">
+                <a:solidFill>
+                  <a:schemeClr val="accent3">
+                    <a:lumMod val="75000"/>
+                  </a:schemeClr>
+                </a:solidFill>
+              </a:rPr>
+              <a:t>ctx.shadowColor</a:t>
+            </a:r>
+            <a:r>
+              <a:rPr lang="en-US" sz="2000" dirty="0" smtClean="0">
+                <a:solidFill>
+                  <a:schemeClr val="accent3">
+                    <a:lumMod val="75000"/>
+                  </a:schemeClr>
+                </a:solidFill>
+              </a:rPr>
+              <a:t> </a:t>
+            </a:r>
+            <a:r>
+              <a:rPr lang="en-US" sz="2000" dirty="0">
+                <a:solidFill>
+                  <a:schemeClr val="accent3">
+                    <a:lumMod val="75000"/>
+                  </a:schemeClr>
+                </a:solidFill>
+              </a:rPr>
+              <a:t>= '#444</a:t>
+            </a:r>
+            <a:r>
+              <a:rPr lang="en-US" sz="2000" dirty="0" smtClean="0">
+                <a:solidFill>
+                  <a:schemeClr val="accent3">
+                    <a:lumMod val="75000"/>
+                  </a:schemeClr>
+                </a:solidFill>
+              </a:rPr>
+              <a:t>'; </a:t>
+            </a:r>
+            <a:r>
+              <a:rPr lang="en-US" sz="2000" dirty="0">
+                <a:solidFill>
+                  <a:schemeClr val="bg1">
+                    <a:lumMod val="50000"/>
+                  </a:schemeClr>
+                </a:solidFill>
+              </a:rPr>
+              <a:t>//Set the </a:t>
+            </a:r>
+            <a:r>
+              <a:rPr lang="en-US" sz="2000" dirty="0" smtClean="0">
+                <a:solidFill>
+                  <a:schemeClr val="bg1">
+                    <a:lumMod val="50000"/>
+                  </a:schemeClr>
+                </a:solidFill>
+              </a:rPr>
+              <a:t>shadow color</a:t>
+            </a:r>
+            <a:endParaRPr lang="en-US" sz="2000" dirty="0">
+              <a:solidFill>
+                <a:schemeClr val="accent3">
+                  <a:lumMod val="75000"/>
+                </a:schemeClr>
+              </a:solidFill>
+            </a:endParaRPr>
+          </a:p>
+          <a:p>
+            <a:pPr marL="0" indent="0">
+              <a:buNone/>
+            </a:pPr>
+            <a:r>
+              <a:rPr lang="en-US" sz="2000" dirty="0" err="1" smtClean="0">
+                <a:solidFill>
+                  <a:schemeClr val="accent3">
+                    <a:lumMod val="75000"/>
+                  </a:schemeClr>
+                </a:solidFill>
+              </a:rPr>
+              <a:t>ctx.shadowBlur</a:t>
+            </a:r>
+            <a:r>
+              <a:rPr lang="en-US" sz="2000" dirty="0" smtClean="0">
+                <a:solidFill>
+                  <a:schemeClr val="accent3">
+                    <a:lumMod val="75000"/>
+                  </a:schemeClr>
+                </a:solidFill>
+              </a:rPr>
+              <a:t> </a:t>
+            </a:r>
+            <a:r>
+              <a:rPr lang="en-US" sz="2000" dirty="0">
+                <a:solidFill>
+                  <a:schemeClr val="accent3">
+                    <a:lumMod val="75000"/>
+                  </a:schemeClr>
+                </a:solidFill>
+              </a:rPr>
+              <a:t>= 30</a:t>
+            </a:r>
+            <a:r>
+              <a:rPr lang="en-US" sz="2000" dirty="0" smtClean="0">
+                <a:solidFill>
+                  <a:schemeClr val="accent3">
+                    <a:lumMod val="75000"/>
+                  </a:schemeClr>
+                </a:solidFill>
+              </a:rPr>
+              <a:t>; </a:t>
+            </a:r>
+            <a:r>
+              <a:rPr lang="en-US" sz="2000" dirty="0" smtClean="0">
+                <a:solidFill>
+                  <a:schemeClr val="bg1">
+                    <a:lumMod val="50000"/>
+                  </a:schemeClr>
+                </a:solidFill>
+              </a:rPr>
+              <a:t>//Our blur radius for the shadow to soften it</a:t>
+            </a:r>
+            <a:endParaRPr lang="en-US" sz="2000" dirty="0">
+              <a:solidFill>
+                <a:schemeClr val="accent3">
+                  <a:lumMod val="75000"/>
+                </a:schemeClr>
+              </a:solidFill>
+            </a:endParaRPr>
+          </a:p>
+          <a:p>
+            <a:pPr marL="0" indent="0">
+              <a:buNone/>
+            </a:pPr>
+            <a:r>
+              <a:rPr lang="en-US" sz="2000" dirty="0" err="1" smtClean="0">
+                <a:solidFill>
+                  <a:schemeClr val="accent3">
+                    <a:lumMod val="75000"/>
+                  </a:schemeClr>
+                </a:solidFill>
+              </a:rPr>
+              <a:t>ctx.shadowOffsetX</a:t>
+            </a:r>
+            <a:r>
+              <a:rPr lang="en-US" sz="2000" dirty="0" smtClean="0">
+                <a:solidFill>
+                  <a:schemeClr val="accent3">
+                    <a:lumMod val="75000"/>
+                  </a:schemeClr>
+                </a:solidFill>
+              </a:rPr>
+              <a:t> </a:t>
+            </a:r>
+            <a:r>
+              <a:rPr lang="en-US" sz="2000" dirty="0">
+                <a:solidFill>
+                  <a:schemeClr val="accent3">
+                    <a:lumMod val="75000"/>
+                  </a:schemeClr>
+                </a:solidFill>
+              </a:rPr>
+              <a:t>= 10</a:t>
+            </a:r>
+            <a:r>
+              <a:rPr lang="en-US" sz="2000" dirty="0" smtClean="0">
+                <a:solidFill>
+                  <a:schemeClr val="accent3">
+                    <a:lumMod val="75000"/>
+                  </a:schemeClr>
+                </a:solidFill>
+              </a:rPr>
+              <a:t>; </a:t>
+            </a:r>
+            <a:r>
+              <a:rPr lang="en-US" sz="2000" dirty="0" smtClean="0">
+                <a:solidFill>
+                  <a:schemeClr val="bg1">
+                    <a:lumMod val="50000"/>
+                  </a:schemeClr>
+                </a:solidFill>
+              </a:rPr>
+              <a:t>//X position of the shadow</a:t>
+            </a:r>
+            <a:endParaRPr lang="en-US" sz="2000" dirty="0">
+              <a:solidFill>
+                <a:schemeClr val="accent3">
+                  <a:lumMod val="75000"/>
+                </a:schemeClr>
+              </a:solidFill>
+            </a:endParaRPr>
+          </a:p>
+          <a:p>
+            <a:pPr marL="0" indent="0">
+              <a:buNone/>
+            </a:pPr>
+            <a:r>
+              <a:rPr lang="en-US" sz="2000" dirty="0" err="1" smtClean="0">
+                <a:solidFill>
+                  <a:schemeClr val="accent3">
+                    <a:lumMod val="75000"/>
+                  </a:schemeClr>
+                </a:solidFill>
+              </a:rPr>
+              <a:t>ctx.shadowOffsetY</a:t>
+            </a:r>
+            <a:r>
+              <a:rPr lang="en-US" sz="2000" dirty="0" smtClean="0">
+                <a:solidFill>
+                  <a:schemeClr val="accent3">
+                    <a:lumMod val="75000"/>
+                  </a:schemeClr>
+                </a:solidFill>
+              </a:rPr>
+              <a:t> </a:t>
+            </a:r>
+            <a:r>
+              <a:rPr lang="en-US" sz="2000" dirty="0">
+                <a:solidFill>
+                  <a:schemeClr val="accent3">
+                    <a:lumMod val="75000"/>
+                  </a:schemeClr>
+                </a:solidFill>
+              </a:rPr>
+              <a:t>= 2</a:t>
+            </a:r>
+            <a:r>
+              <a:rPr lang="en-US" sz="2000" dirty="0" smtClean="0">
+                <a:solidFill>
+                  <a:schemeClr val="accent3">
+                    <a:lumMod val="75000"/>
+                  </a:schemeClr>
+                </a:solidFill>
+              </a:rPr>
+              <a:t>;</a:t>
+            </a:r>
+            <a:r>
+              <a:rPr lang="en-US" sz="2000" dirty="0">
+                <a:solidFill>
+                  <a:schemeClr val="bg1">
+                    <a:lumMod val="50000"/>
+                  </a:schemeClr>
+                </a:solidFill>
+              </a:rPr>
+              <a:t> </a:t>
+            </a:r>
+            <a:r>
+              <a:rPr lang="en-US" sz="2000" dirty="0" smtClean="0">
+                <a:solidFill>
+                  <a:schemeClr val="bg1">
+                    <a:lumMod val="50000"/>
+                  </a:schemeClr>
+                </a:solidFill>
+              </a:rPr>
+              <a:t>//Y </a:t>
+            </a:r>
+            <a:r>
+              <a:rPr lang="en-US" sz="2000" dirty="0">
+                <a:solidFill>
+                  <a:schemeClr val="bg1">
+                    <a:lumMod val="50000"/>
+                  </a:schemeClr>
+                </a:solidFill>
+              </a:rPr>
+              <a:t>position of the shadow</a:t>
+            </a:r>
+            <a:endParaRPr lang="en-US" sz="2000" dirty="0">
+              <a:solidFill>
+                <a:schemeClr val="accent3">
+                  <a:lumMod val="75000"/>
+                </a:schemeClr>
+              </a:solidFill>
+            </a:endParaRPr>
+          </a:p>
+          <a:p>
+            <a:pPr marL="0" indent="0">
+              <a:buNone/>
+            </a:pPr>
+            <a:endParaRPr lang="en-US" sz="2000" dirty="0">
+              <a:solidFill>
+                <a:schemeClr val="accent3">
+                  <a:lumMod val="75000"/>
+                </a:schemeClr>
+              </a:solidFill>
+            </a:endParaRPr>
+          </a:p>
+        </p:txBody>
+      </p:sp>
+    </p:spTree>
+    <p:extLst>
+      <p:ext uri="{BB962C8B-B14F-4D97-AF65-F5344CB8AC3E}">
+        <p14:creationId xmlns:p14="http://schemas.microsoft.com/office/powerpoint/2010/main" val="3507677297"/>
+      </p:ext>
+    </p:extLst>
+  </p:cSld>
+  <p:clrMapOvr>
+    <a:masterClrMapping/>
+  </p:clrMapOvr>
+  <p:timing>
+    <p:tnLst>
+      <p:par>
+        <p:cTn id="1" dur="indefinite" restart="never" nodeType="tmRoot"/>
+      </p:par>
+    </p:tnLst>
+  </p:timing>
+</p:sld>
+</file>
+
+<file path=ppt/slides/slide7.xml><?xml version="1.0" encoding="utf-8"?>
+<p:sld xmlns:a="http://schemas.openxmlformats.org/drawingml/2006/main" xmlns:r="http://schemas.openxmlformats.org/officeDocument/2006/relationships" xmlns:p="http://schemas.openxmlformats.org/presentationml/2006/main">
+  <p:cSld>
+    <p:bg>
+      <p:bgPr>
+        <a:solidFill>
+          <a:schemeClr val="tx1"/>
+        </a:solidFill>
+        <a:effectLst/>
+      </p:bgPr>
+    </p:bg>
+    <p:spTree>
+      <p:nvGrpSpPr>
+        <p:cNvPr id="1" name=""/>
+        <p:cNvGrpSpPr/>
+        <p:nvPr/>
+      </p:nvGrpSpPr>
+      <p:grpSpPr>
+        <a:xfrm>
+          <a:off x="0" y="0"/>
+          <a:ext cx="0" cy="0"/>
+          <a:chOff x="0" y="0"/>
+          <a:chExt cx="0" cy="0"/>
+        </a:xfrm>
+      </p:grpSpPr>
+      <p:sp>
+        <p:nvSpPr>
+          <p:cNvPr id="2" name="Title 1"/>
+          <p:cNvSpPr>
+            <a:spLocks noGrp="1"/>
+          </p:cNvSpPr>
+          <p:nvPr>
+            <p:ph type="title"/>
+          </p:nvPr>
+        </p:nvSpPr>
+        <p:spPr>
+          <a:xfrm>
+            <a:off x="457200" y="274638"/>
+            <a:ext cx="8229600" cy="411162"/>
+          </a:xfrm>
+        </p:spPr>
+        <p:txBody>
+          <a:bodyPr>
+            <a:normAutofit fontScale="90000"/>
+          </a:bodyPr>
+          <a:lstStyle/>
+          <a:p>
+            <a:r>
+              <a:rPr lang="en-US" dirty="0" smtClean="0">
+                <a:solidFill>
+                  <a:schemeClr val="tx2">
+                    <a:lumMod val="60000"/>
+                    <a:lumOff val="40000"/>
+                  </a:schemeClr>
+                </a:solidFill>
+              </a:rPr>
+              <a:t>The Canvas</a:t>
+            </a:r>
+            <a:endParaRPr lang="en-US" dirty="0">
+              <a:solidFill>
+                <a:schemeClr val="tx2">
+                  <a:lumMod val="60000"/>
+                  <a:lumOff val="40000"/>
+                </a:schemeClr>
+              </a:solidFill>
+            </a:endParaRPr>
+          </a:p>
+        </p:txBody>
+      </p:sp>
+      <p:sp>
+        <p:nvSpPr>
+          <p:cNvPr id="3" name="Content Placeholder 2"/>
+          <p:cNvSpPr>
+            <a:spLocks noGrp="1"/>
+          </p:cNvSpPr>
+          <p:nvPr>
+            <p:ph idx="1"/>
+          </p:nvPr>
+        </p:nvSpPr>
+        <p:spPr>
+          <a:xfrm>
+            <a:off x="457200" y="914400"/>
+            <a:ext cx="8229600" cy="5211763"/>
+          </a:xfrm>
+        </p:spPr>
+        <p:txBody>
+          <a:bodyPr/>
+          <a:lstStyle/>
+          <a:p>
+            <a:pPr marL="0" indent="0">
+              <a:buNone/>
+            </a:pPr>
+            <a:r>
+              <a:rPr lang="en-US" dirty="0" smtClean="0">
+                <a:solidFill>
+                  <a:schemeClr val="bg1">
+                    <a:lumMod val="95000"/>
+                  </a:schemeClr>
+                </a:solidFill>
+              </a:rPr>
+              <a:t>Setting our starting points: </a:t>
+            </a:r>
+          </a:p>
+          <a:p>
+            <a:pPr marL="0" indent="0">
+              <a:buNone/>
+            </a:pPr>
+            <a:endParaRPr lang="en-US" sz="2000" dirty="0" smtClean="0">
+              <a:solidFill>
+                <a:schemeClr val="accent6">
+                  <a:lumMod val="75000"/>
+                </a:schemeClr>
+              </a:solidFill>
+            </a:endParaRPr>
+          </a:p>
+          <a:p>
+            <a:pPr marL="0" indent="0">
+              <a:buNone/>
+            </a:pPr>
+            <a:r>
+              <a:rPr lang="en-US" sz="2000" dirty="0" smtClean="0">
+                <a:solidFill>
+                  <a:schemeClr val="accent6">
+                    <a:lumMod val="75000"/>
+                  </a:schemeClr>
+                </a:solidFill>
+              </a:rPr>
+              <a:t>Clear our canvas: </a:t>
+            </a:r>
+            <a:endParaRPr lang="en-US" sz="2000" dirty="0">
+              <a:solidFill>
+                <a:schemeClr val="accent6">
+                  <a:lumMod val="75000"/>
+                </a:schemeClr>
+              </a:solidFill>
+            </a:endParaRPr>
+          </a:p>
+          <a:p>
+            <a:pPr marL="0" indent="0">
+              <a:buNone/>
+            </a:pPr>
+            <a:r>
+              <a:rPr lang="en-US" sz="2000" dirty="0" err="1">
+                <a:solidFill>
+                  <a:schemeClr val="accent3">
+                    <a:lumMod val="75000"/>
+                  </a:schemeClr>
+                </a:solidFill>
+              </a:rPr>
+              <a:t>ctx.clearRect</a:t>
+            </a:r>
+            <a:r>
+              <a:rPr lang="en-US" sz="2000" dirty="0">
+                <a:solidFill>
+                  <a:schemeClr val="accent3">
+                    <a:lumMod val="75000"/>
+                  </a:schemeClr>
+                </a:solidFill>
+              </a:rPr>
+              <a:t>(0, 0, </a:t>
+            </a:r>
+            <a:r>
+              <a:rPr lang="en-US" sz="2000" dirty="0" err="1">
+                <a:solidFill>
+                  <a:schemeClr val="accent3">
+                    <a:lumMod val="75000"/>
+                  </a:schemeClr>
+                </a:solidFill>
+              </a:rPr>
+              <a:t>c.width</a:t>
+            </a:r>
+            <a:r>
+              <a:rPr lang="en-US" sz="2000" dirty="0">
+                <a:solidFill>
+                  <a:schemeClr val="accent3">
+                    <a:lumMod val="75000"/>
+                  </a:schemeClr>
+                </a:solidFill>
+              </a:rPr>
+              <a:t>, </a:t>
+            </a:r>
+            <a:r>
+              <a:rPr lang="en-US" sz="2000" dirty="0" err="1">
+                <a:solidFill>
+                  <a:schemeClr val="accent3">
+                    <a:lumMod val="75000"/>
+                  </a:schemeClr>
+                </a:solidFill>
+              </a:rPr>
+              <a:t>c.height</a:t>
+            </a:r>
+            <a:r>
+              <a:rPr lang="en-US" sz="2000" dirty="0" smtClean="0">
+                <a:solidFill>
+                  <a:schemeClr val="accent3">
+                    <a:lumMod val="75000"/>
+                  </a:schemeClr>
+                </a:solidFill>
+              </a:rPr>
+              <a:t>); </a:t>
+            </a:r>
+            <a:r>
+              <a:rPr lang="en-US" sz="2000" dirty="0" smtClean="0">
+                <a:solidFill>
+                  <a:schemeClr val="bg1">
+                    <a:lumMod val="50000"/>
+                  </a:schemeClr>
+                </a:solidFill>
+              </a:rPr>
+              <a:t>//Clear all drawings from the canvas</a:t>
+            </a:r>
+            <a:endParaRPr lang="en-US" sz="2000" dirty="0" smtClean="0">
+              <a:solidFill>
+                <a:schemeClr val="accent3">
+                  <a:lumMod val="75000"/>
+                </a:schemeClr>
+              </a:solidFill>
+            </a:endParaRPr>
+          </a:p>
+          <a:p>
+            <a:pPr marL="0" indent="0">
+              <a:buNone/>
+            </a:pPr>
+            <a:endParaRPr lang="en-US" sz="2000" dirty="0" smtClean="0">
+              <a:solidFill>
+                <a:schemeClr val="accent3">
+                  <a:lumMod val="75000"/>
+                </a:schemeClr>
+              </a:solidFill>
+            </a:endParaRPr>
+          </a:p>
+          <a:p>
+            <a:pPr marL="0" indent="0">
+              <a:buNone/>
+            </a:pPr>
+            <a:r>
+              <a:rPr lang="en-US" sz="2000" dirty="0" smtClean="0">
+                <a:solidFill>
+                  <a:schemeClr val="accent6">
+                    <a:lumMod val="75000"/>
+                  </a:schemeClr>
+                </a:solidFill>
+              </a:rPr>
+              <a:t>Start drawing our object: </a:t>
+            </a:r>
+            <a:endParaRPr lang="en-US" sz="2000" dirty="0">
+              <a:solidFill>
+                <a:schemeClr val="accent6">
+                  <a:lumMod val="75000"/>
+                </a:schemeClr>
+              </a:solidFill>
+            </a:endParaRPr>
+          </a:p>
+          <a:p>
+            <a:pPr marL="0" indent="0">
+              <a:buNone/>
+            </a:pPr>
+            <a:r>
+              <a:rPr lang="en-US" sz="2000" dirty="0" err="1">
+                <a:solidFill>
+                  <a:schemeClr val="accent3">
+                    <a:lumMod val="75000"/>
+                  </a:schemeClr>
+                </a:solidFill>
+              </a:rPr>
+              <a:t>ctx.beginPath</a:t>
+            </a:r>
+            <a:r>
+              <a:rPr lang="en-US" sz="2000" dirty="0" smtClean="0">
+                <a:solidFill>
+                  <a:schemeClr val="accent3">
+                    <a:lumMod val="75000"/>
+                  </a:schemeClr>
+                </a:solidFill>
+              </a:rPr>
+              <a:t>(); </a:t>
+            </a:r>
+            <a:r>
+              <a:rPr lang="en-US" sz="2000" dirty="0" smtClean="0">
+                <a:solidFill>
+                  <a:schemeClr val="bg1">
+                    <a:lumMod val="50000"/>
+                  </a:schemeClr>
+                </a:solidFill>
+              </a:rPr>
+              <a:t>//Start drawing a new object to the canvas</a:t>
+            </a:r>
+          </a:p>
+          <a:p>
+            <a:pPr marL="0" indent="0">
+              <a:buNone/>
+            </a:pPr>
+            <a:endParaRPr lang="en-US" sz="2000" dirty="0" smtClean="0">
+              <a:solidFill>
+                <a:schemeClr val="accent3">
+                  <a:lumMod val="75000"/>
+                </a:schemeClr>
+              </a:solidFill>
+            </a:endParaRPr>
+          </a:p>
+          <a:p>
+            <a:pPr marL="0" indent="0">
+              <a:buNone/>
+            </a:pPr>
+            <a:r>
+              <a:rPr lang="en-US" sz="2000" dirty="0" smtClean="0">
+                <a:solidFill>
+                  <a:schemeClr val="accent6">
+                    <a:lumMod val="75000"/>
+                  </a:schemeClr>
+                </a:solidFill>
+              </a:rPr>
+              <a:t>Set our starting position:</a:t>
+            </a:r>
+            <a:endParaRPr lang="en-US" sz="2000" dirty="0">
+              <a:solidFill>
+                <a:schemeClr val="accent6">
+                  <a:lumMod val="75000"/>
+                </a:schemeClr>
+              </a:solidFill>
+            </a:endParaRPr>
+          </a:p>
+          <a:p>
+            <a:pPr marL="0" indent="0">
+              <a:buNone/>
+            </a:pPr>
+            <a:r>
+              <a:rPr lang="en-US" sz="2000" dirty="0" err="1" smtClean="0">
+                <a:solidFill>
+                  <a:schemeClr val="accent3">
+                    <a:lumMod val="75000"/>
+                  </a:schemeClr>
+                </a:solidFill>
+              </a:rPr>
+              <a:t>ctx.moveTo</a:t>
+            </a:r>
+            <a:r>
+              <a:rPr lang="en-US" sz="2000" dirty="0" smtClean="0">
+                <a:solidFill>
+                  <a:schemeClr val="accent3">
+                    <a:lumMod val="75000"/>
+                  </a:schemeClr>
+                </a:solidFill>
+              </a:rPr>
+              <a:t>(0, 0); </a:t>
+            </a:r>
+            <a:r>
+              <a:rPr lang="en-US" sz="2000" dirty="0" smtClean="0">
+                <a:solidFill>
+                  <a:schemeClr val="bg1">
+                    <a:lumMod val="50000"/>
+                  </a:schemeClr>
+                </a:solidFill>
+              </a:rPr>
+              <a:t>//Sets the first point of our object to draw from</a:t>
+            </a:r>
+            <a:endParaRPr lang="en-US" sz="2000" dirty="0">
+              <a:solidFill>
+                <a:schemeClr val="bg1">
+                  <a:lumMod val="50000"/>
+                </a:schemeClr>
+              </a:solidFill>
+            </a:endParaRPr>
+          </a:p>
+          <a:p>
+            <a:pPr marL="0" indent="0">
+              <a:buNone/>
+            </a:pPr>
+            <a:endParaRPr lang="en-US" sz="2000" dirty="0" smtClean="0">
+              <a:solidFill>
+                <a:schemeClr val="accent3">
+                  <a:lumMod val="75000"/>
+                </a:schemeClr>
+              </a:solidFill>
+            </a:endParaRPr>
+          </a:p>
+          <a:p>
+            <a:pPr marL="0" indent="0">
+              <a:buNone/>
+            </a:pPr>
+            <a:endParaRPr lang="en-US" sz="2000" dirty="0">
+              <a:solidFill>
+                <a:schemeClr val="accent3">
+                  <a:lumMod val="75000"/>
+                </a:schemeClr>
+              </a:solidFill>
+            </a:endParaRPr>
+          </a:p>
+        </p:txBody>
+      </p:sp>
+    </p:spTree>
+    <p:extLst>
+      <p:ext uri="{BB962C8B-B14F-4D97-AF65-F5344CB8AC3E}">
+        <p14:creationId xmlns:p14="http://schemas.microsoft.com/office/powerpoint/2010/main" val="761938585"/>
+      </p:ext>
+    </p:extLst>
+  </p:cSld>
+  <p:clrMapOvr>
+    <a:masterClrMapping/>
+  </p:clrMapOvr>
+  <p:timing>
+    <p:tnLst>
+      <p:par>
+        <p:cTn id="1" dur="indefinite" restart="never" nodeType="tmRoot"/>
+      </p:par>
+    </p:tnLst>
+  </p:timing>
+</p:sld>
+</file>
+
+<file path=ppt/slides/slide8.xml><?xml version="1.0" encoding="utf-8"?>
+<p:sld xmlns:a="http://schemas.openxmlformats.org/drawingml/2006/main" xmlns:r="http://schemas.openxmlformats.org/officeDocument/2006/relationships" xmlns:p="http://schemas.openxmlformats.org/presentationml/2006/main">
+  <p:cSld>
+    <p:bg>
+      <p:bgPr>
+        <a:solidFill>
+          <a:schemeClr val="tx1"/>
+        </a:solidFill>
+        <a:effectLst/>
+      </p:bgPr>
+    </p:bg>
+    <p:spTree>
+      <p:nvGrpSpPr>
+        <p:cNvPr id="1" name=""/>
+        <p:cNvGrpSpPr/>
+        <p:nvPr/>
+      </p:nvGrpSpPr>
+      <p:grpSpPr>
+        <a:xfrm>
+          <a:off x="0" y="0"/>
+          <a:ext cx="0" cy="0"/>
+          <a:chOff x="0" y="0"/>
+          <a:chExt cx="0" cy="0"/>
+        </a:xfrm>
+      </p:grpSpPr>
+      <p:sp>
+        <p:nvSpPr>
+          <p:cNvPr id="2" name="Title 1"/>
+          <p:cNvSpPr>
+            <a:spLocks noGrp="1"/>
+          </p:cNvSpPr>
+          <p:nvPr>
+            <p:ph type="title"/>
+          </p:nvPr>
+        </p:nvSpPr>
+        <p:spPr>
+          <a:xfrm>
+            <a:off x="457200" y="274638"/>
+            <a:ext cx="8229600" cy="411162"/>
+          </a:xfrm>
+        </p:spPr>
+        <p:txBody>
+          <a:bodyPr>
+            <a:normAutofit fontScale="90000"/>
+          </a:bodyPr>
+          <a:lstStyle/>
+          <a:p>
+            <a:r>
+              <a:rPr lang="en-US" dirty="0" smtClean="0">
+                <a:solidFill>
+                  <a:schemeClr val="tx2">
+                    <a:lumMod val="60000"/>
+                    <a:lumOff val="40000"/>
+                  </a:schemeClr>
+                </a:solidFill>
+              </a:rPr>
+              <a:t>The Shape</a:t>
+            </a:r>
+            <a:endParaRPr lang="en-US" dirty="0">
+              <a:solidFill>
+                <a:schemeClr val="tx2">
+                  <a:lumMod val="60000"/>
+                  <a:lumOff val="40000"/>
+                </a:schemeClr>
+              </a:solidFill>
+            </a:endParaRPr>
+          </a:p>
+        </p:txBody>
+      </p:sp>
+      <p:sp>
+        <p:nvSpPr>
+          <p:cNvPr id="3" name="Content Placeholder 2"/>
+          <p:cNvSpPr>
+            <a:spLocks noGrp="1"/>
+          </p:cNvSpPr>
+          <p:nvPr>
+            <p:ph idx="1"/>
+          </p:nvPr>
+        </p:nvSpPr>
+        <p:spPr>
+          <a:xfrm>
+            <a:off x="457200" y="914401"/>
+            <a:ext cx="8229600" cy="1752600"/>
+          </a:xfrm>
+        </p:spPr>
+        <p:txBody>
+          <a:bodyPr/>
+          <a:lstStyle/>
+          <a:p>
+            <a:pPr marL="0" indent="0">
+              <a:buNone/>
+            </a:pPr>
+            <a:r>
+              <a:rPr lang="en-US" sz="2000" dirty="0" smtClean="0">
+                <a:solidFill>
+                  <a:schemeClr val="accent6">
+                    <a:lumMod val="75000"/>
+                  </a:schemeClr>
+                </a:solidFill>
+              </a:rPr>
+              <a:t>We could use a quadratic curve, but it doesn’t really work for our needs. So, we need to work with a Bezier.</a:t>
+            </a:r>
+          </a:p>
+          <a:p>
+            <a:pPr marL="0" indent="0">
+              <a:buNone/>
+            </a:pPr>
+            <a:endParaRPr lang="en-US" sz="2000" dirty="0" smtClean="0">
+              <a:solidFill>
+                <a:schemeClr val="accent6">
+                  <a:lumMod val="75000"/>
+                </a:schemeClr>
+              </a:solidFill>
+            </a:endParaRPr>
+          </a:p>
+          <a:p>
+            <a:pPr marL="0" indent="0">
+              <a:buNone/>
+            </a:pPr>
+            <a:r>
+              <a:rPr lang="en-US" sz="2000" dirty="0" err="1" smtClean="0">
+                <a:solidFill>
+                  <a:schemeClr val="accent3">
+                    <a:lumMod val="75000"/>
+                  </a:schemeClr>
+                </a:solidFill>
+              </a:rPr>
+              <a:t>ctx.bezierCurveTo</a:t>
+            </a:r>
+            <a:r>
+              <a:rPr lang="en-US" sz="2000" dirty="0" smtClean="0">
+                <a:solidFill>
+                  <a:schemeClr val="accent3">
+                    <a:lumMod val="75000"/>
+                  </a:schemeClr>
+                </a:solidFill>
+              </a:rPr>
+              <a:t>(x1, y1, x2, y2, x3, y3); </a:t>
+            </a:r>
+            <a:r>
+              <a:rPr lang="en-US" sz="2000" dirty="0" smtClean="0">
+                <a:solidFill>
+                  <a:schemeClr val="bg1">
+                    <a:lumMod val="50000"/>
+                  </a:schemeClr>
+                </a:solidFill>
+              </a:rPr>
+              <a:t>//Draw a Bezier with 4 points</a:t>
+            </a:r>
+            <a:endParaRPr lang="en-US" sz="2000" dirty="0" smtClean="0">
+              <a:solidFill>
+                <a:schemeClr val="accent3">
+                  <a:lumMod val="75000"/>
+                </a:schemeClr>
+              </a:solidFill>
+            </a:endParaRPr>
+          </a:p>
+          <a:p>
+            <a:pPr marL="0" indent="0">
+              <a:buNone/>
+            </a:pPr>
+            <a:endParaRPr lang="en-US" sz="2000" dirty="0" smtClean="0">
+              <a:solidFill>
+                <a:schemeClr val="accent3">
+                  <a:lumMod val="75000"/>
+                </a:schemeClr>
+              </a:solidFill>
+            </a:endParaRPr>
+          </a:p>
+          <a:p>
+            <a:pPr marL="0" indent="0">
+              <a:buNone/>
+            </a:pPr>
+            <a:endParaRPr lang="en-US" sz="2000" dirty="0">
+              <a:solidFill>
+                <a:schemeClr val="accent3">
+                  <a:lumMod val="75000"/>
+                </a:schemeClr>
+              </a:solidFill>
+            </a:endParaRPr>
+          </a:p>
+        </p:txBody>
+      </p:sp>
+      <p:grpSp>
+        <p:nvGrpSpPr>
+          <p:cNvPr id="14" name="Group 13"/>
+          <p:cNvGrpSpPr/>
+          <p:nvPr/>
+        </p:nvGrpSpPr>
+        <p:grpSpPr>
+          <a:xfrm>
+            <a:off x="455762" y="2819400"/>
+            <a:ext cx="8256917" cy="2743200"/>
+            <a:chOff x="455762" y="2819400"/>
+            <a:chExt cx="8256917" cy="2743200"/>
+          </a:xfrm>
+        </p:grpSpPr>
+        <p:pic>
+          <p:nvPicPr>
+            <p:cNvPr id="5" name="Picture 4"/>
+            <p:cNvPicPr>
+              <a:picLocks noChangeAspect="1"/>
+            </p:cNvPicPr>
+            <p:nvPr/>
+          </p:nvPicPr>
+          <p:blipFill>
+            <a:blip r:embed="rId2">
+              <a:extLst>
+                <a:ext uri="{28A0092B-C50C-407E-A947-70E740481C1C}">
+                  <a14:useLocalDpi xmlns:a14="http://schemas.microsoft.com/office/drawing/2010/main" val="0"/>
+                </a:ext>
+              </a:extLst>
+            </a:blip>
+            <a:stretch>
+              <a:fillRect/>
+            </a:stretch>
+          </p:blipFill>
+          <p:spPr>
+            <a:xfrm>
+              <a:off x="455762" y="2819400"/>
+              <a:ext cx="3829050" cy="2743200"/>
+            </a:xfrm>
+            <a:prstGeom prst="rect">
+              <a:avLst/>
+            </a:prstGeom>
+          </p:spPr>
+        </p:pic>
+        <p:sp>
+          <p:nvSpPr>
+            <p:cNvPr id="7" name="TextBox 6"/>
+            <p:cNvSpPr txBox="1"/>
+            <p:nvPr/>
+          </p:nvSpPr>
+          <p:spPr>
+            <a:xfrm>
+              <a:off x="5207479" y="3124200"/>
+              <a:ext cx="3505200" cy="1477328"/>
+            </a:xfrm>
+            <a:prstGeom prst="rect">
+              <a:avLst/>
+            </a:prstGeom>
+            <a:noFill/>
+          </p:spPr>
+          <p:txBody>
+            <a:bodyPr wrap="square" rtlCol="0">
+              <a:spAutoFit/>
+            </a:bodyPr>
+            <a:lstStyle/>
+            <a:p>
+              <a:r>
+                <a:rPr lang="en-US" dirty="0" smtClean="0">
+                  <a:solidFill>
+                    <a:schemeClr val="bg1"/>
+                  </a:solidFill>
+                </a:rPr>
+                <a:t>Starting Position [</a:t>
+              </a:r>
+              <a:r>
+                <a:rPr lang="en-US" sz="1400" dirty="0" err="1" smtClean="0">
+                  <a:solidFill>
+                    <a:schemeClr val="accent3">
+                      <a:lumMod val="75000"/>
+                    </a:schemeClr>
+                  </a:solidFill>
+                </a:rPr>
+                <a:t>ctx.moveTo</a:t>
+              </a:r>
+              <a:r>
+                <a:rPr lang="en-US" sz="1400" dirty="0" smtClean="0">
+                  <a:solidFill>
+                    <a:schemeClr val="accent3">
+                      <a:lumMod val="75000"/>
+                    </a:schemeClr>
+                  </a:solidFill>
+                </a:rPr>
+                <a:t>(0</a:t>
+              </a:r>
+              <a:r>
+                <a:rPr lang="en-US" sz="1400" dirty="0">
+                  <a:solidFill>
+                    <a:schemeClr val="accent3">
+                      <a:lumMod val="75000"/>
+                    </a:schemeClr>
+                  </a:solidFill>
+                </a:rPr>
+                <a:t>, 0</a:t>
+              </a:r>
+              <a:r>
+                <a:rPr lang="en-US" sz="1400" dirty="0" smtClean="0">
+                  <a:solidFill>
+                    <a:schemeClr val="accent3">
+                      <a:lumMod val="75000"/>
+                    </a:schemeClr>
+                  </a:solidFill>
+                </a:rPr>
+                <a:t>);</a:t>
+              </a:r>
+              <a:r>
+                <a:rPr lang="en-US" dirty="0" smtClean="0">
+                  <a:solidFill>
+                    <a:schemeClr val="bg1"/>
+                  </a:solidFill>
+                </a:rPr>
+                <a:t>]</a:t>
+              </a:r>
+            </a:p>
+            <a:p>
+              <a:r>
+                <a:rPr lang="en-US" dirty="0" smtClean="0">
+                  <a:solidFill>
+                    <a:schemeClr val="bg1"/>
+                  </a:solidFill>
+                </a:rPr>
+                <a:t>Point 1 [</a:t>
+              </a:r>
+              <a:r>
+                <a:rPr lang="en-US" sz="1400" dirty="0" smtClean="0">
+                  <a:solidFill>
+                    <a:schemeClr val="accent3">
+                      <a:lumMod val="75000"/>
+                    </a:schemeClr>
+                  </a:solidFill>
+                </a:rPr>
+                <a:t>x1, y1</a:t>
+              </a:r>
+              <a:r>
+                <a:rPr lang="en-US" dirty="0" smtClean="0">
+                  <a:solidFill>
+                    <a:schemeClr val="bg1"/>
+                  </a:solidFill>
+                </a:rPr>
+                <a:t>]</a:t>
+              </a:r>
+            </a:p>
+            <a:p>
+              <a:r>
+                <a:rPr lang="en-US" dirty="0">
+                  <a:solidFill>
+                    <a:schemeClr val="bg1"/>
+                  </a:solidFill>
+                </a:rPr>
+                <a:t>Point </a:t>
+              </a:r>
+              <a:r>
+                <a:rPr lang="en-US" dirty="0" smtClean="0">
+                  <a:solidFill>
+                    <a:schemeClr val="bg1"/>
+                  </a:solidFill>
+                </a:rPr>
+                <a:t>2 [</a:t>
+              </a:r>
+              <a:r>
+                <a:rPr lang="en-US" sz="1400" dirty="0" smtClean="0">
+                  <a:solidFill>
+                    <a:schemeClr val="accent3">
+                      <a:lumMod val="75000"/>
+                    </a:schemeClr>
+                  </a:solidFill>
+                </a:rPr>
+                <a:t>x2, y2</a:t>
+              </a:r>
+              <a:r>
+                <a:rPr lang="en-US" dirty="0" smtClean="0">
+                  <a:solidFill>
+                    <a:schemeClr val="bg1"/>
+                  </a:solidFill>
+                </a:rPr>
+                <a:t>]</a:t>
+              </a:r>
+            </a:p>
+            <a:p>
+              <a:r>
+                <a:rPr lang="en-US" dirty="0">
+                  <a:solidFill>
+                    <a:schemeClr val="bg1"/>
+                  </a:solidFill>
+                </a:rPr>
+                <a:t>Point </a:t>
+              </a:r>
+              <a:r>
+                <a:rPr lang="en-US" dirty="0" smtClean="0">
+                  <a:solidFill>
+                    <a:schemeClr val="bg1"/>
+                  </a:solidFill>
+                </a:rPr>
+                <a:t>3 </a:t>
+              </a:r>
+              <a:r>
+                <a:rPr lang="en-US" dirty="0">
+                  <a:solidFill>
+                    <a:schemeClr val="bg1"/>
+                  </a:solidFill>
+                </a:rPr>
+                <a:t>[</a:t>
+              </a:r>
+              <a:r>
+                <a:rPr lang="en-US" sz="1400" dirty="0" smtClean="0">
+                  <a:solidFill>
+                    <a:schemeClr val="accent3">
+                      <a:lumMod val="75000"/>
+                    </a:schemeClr>
+                  </a:solidFill>
+                </a:rPr>
+                <a:t>x3, y3</a:t>
+              </a:r>
+              <a:r>
+                <a:rPr lang="en-US" dirty="0" smtClean="0">
+                  <a:solidFill>
+                    <a:schemeClr val="bg1"/>
+                  </a:solidFill>
+                </a:rPr>
+                <a:t>]</a:t>
+              </a:r>
+              <a:endParaRPr lang="en-US" dirty="0">
+                <a:solidFill>
+                  <a:schemeClr val="bg1"/>
+                </a:solidFill>
+              </a:endParaRPr>
+            </a:p>
+            <a:p>
+              <a:endParaRPr lang="en-US" dirty="0">
+                <a:solidFill>
+                  <a:schemeClr val="bg1"/>
+                </a:solidFill>
+              </a:endParaRPr>
+            </a:p>
+          </p:txBody>
+        </p:sp>
+        <p:sp>
+          <p:nvSpPr>
+            <p:cNvPr id="10" name="Oval 9"/>
+            <p:cNvSpPr/>
+            <p:nvPr/>
+          </p:nvSpPr>
+          <p:spPr>
+            <a:xfrm>
+              <a:off x="5029200" y="3200400"/>
+              <a:ext cx="178279" cy="178279"/>
+            </a:xfrm>
+            <a:prstGeom prst="ellipse">
+              <a:avLst/>
+            </a:prstGeom>
+            <a:solidFill>
+              <a:srgbClr val="00FF07"/>
+            </a:solidFill>
+            <a:ln>
+              <a:solidFill>
+                <a:srgbClr val="00FF07"/>
+              </a:solidFill>
+            </a:ln>
+          </p:spPr>
+          <p:style>
+            <a:lnRef idx="2">
+              <a:schemeClr val="accent1">
+                <a:shade val="50000"/>
+              </a:schemeClr>
+            </a:lnRef>
+            <a:fillRef idx="1">
+              <a:schemeClr val="accent1"/>
+            </a:fillRef>
+            <a:effectRef idx="0">
+              <a:schemeClr val="accent1"/>
+            </a:effectRef>
+            <a:fontRef idx="minor">
+              <a:schemeClr val="lt1"/>
+            </a:fontRef>
+          </p:style>
+          <p:txBody>
+            <a:bodyPr rtlCol="0" anchor="ctr"/>
+            <a:lstStyle/>
+            <a:p>
+              <a:pPr algn="ctr"/>
+              <a:endParaRPr lang="en-US"/>
+            </a:p>
+          </p:txBody>
+        </p:sp>
+        <p:sp>
+          <p:nvSpPr>
+            <p:cNvPr id="11" name="Oval 10"/>
+            <p:cNvSpPr/>
+            <p:nvPr/>
+          </p:nvSpPr>
+          <p:spPr>
+            <a:xfrm>
+              <a:off x="5029200" y="3505200"/>
+              <a:ext cx="178279" cy="178279"/>
+            </a:xfrm>
+            <a:prstGeom prst="ellipse">
+              <a:avLst/>
+            </a:prstGeom>
+            <a:solidFill>
+              <a:srgbClr val="FF0000"/>
+            </a:solidFill>
+            <a:ln>
+              <a:solidFill>
+                <a:srgbClr val="FF0000"/>
+              </a:solidFill>
+            </a:ln>
+          </p:spPr>
+          <p:style>
+            <a:lnRef idx="2">
+              <a:schemeClr val="accent1">
+                <a:shade val="50000"/>
+              </a:schemeClr>
+            </a:lnRef>
+            <a:fillRef idx="1">
+              <a:schemeClr val="accent1"/>
+            </a:fillRef>
+            <a:effectRef idx="0">
+              <a:schemeClr val="accent1"/>
+            </a:effectRef>
+            <a:fontRef idx="minor">
+              <a:schemeClr val="lt1"/>
+            </a:fontRef>
+          </p:style>
+          <p:txBody>
+            <a:bodyPr rtlCol="0" anchor="ctr"/>
+            <a:lstStyle/>
+            <a:p>
+              <a:pPr algn="ctr"/>
+              <a:endParaRPr lang="en-US"/>
+            </a:p>
+          </p:txBody>
+        </p:sp>
+        <p:sp>
+          <p:nvSpPr>
+            <p:cNvPr id="12" name="Oval 11"/>
+            <p:cNvSpPr/>
+            <p:nvPr/>
+          </p:nvSpPr>
+          <p:spPr>
+            <a:xfrm>
+              <a:off x="5029199" y="3780194"/>
+              <a:ext cx="178279" cy="178279"/>
+            </a:xfrm>
+            <a:prstGeom prst="ellipse">
+              <a:avLst/>
+            </a:prstGeom>
+            <a:solidFill>
+              <a:srgbClr val="010EFD"/>
+            </a:solidFill>
+            <a:ln>
+              <a:solidFill>
+                <a:srgbClr val="010EFD"/>
+              </a:solidFill>
+            </a:ln>
+          </p:spPr>
+          <p:style>
+            <a:lnRef idx="2">
+              <a:schemeClr val="accent1">
+                <a:shade val="50000"/>
+              </a:schemeClr>
+            </a:lnRef>
+            <a:fillRef idx="1">
+              <a:schemeClr val="accent1"/>
+            </a:fillRef>
+            <a:effectRef idx="0">
+              <a:schemeClr val="accent1"/>
+            </a:effectRef>
+            <a:fontRef idx="minor">
+              <a:schemeClr val="lt1"/>
+            </a:fontRef>
+          </p:style>
+          <p:txBody>
+            <a:bodyPr rtlCol="0" anchor="ctr"/>
+            <a:lstStyle/>
+            <a:p>
+              <a:pPr algn="ctr"/>
+              <a:endParaRPr lang="en-US"/>
+            </a:p>
+          </p:txBody>
+        </p:sp>
+        <p:sp>
+          <p:nvSpPr>
+            <p:cNvPr id="13" name="Oval 12"/>
+            <p:cNvSpPr/>
+            <p:nvPr/>
+          </p:nvSpPr>
+          <p:spPr>
+            <a:xfrm>
+              <a:off x="5029199" y="4053364"/>
+              <a:ext cx="178279" cy="178279"/>
+            </a:xfrm>
+            <a:prstGeom prst="ellipse">
+              <a:avLst/>
+            </a:prstGeom>
+            <a:solidFill>
+              <a:srgbClr val="FF9000"/>
+            </a:solidFill>
+            <a:ln>
+              <a:solidFill>
+                <a:srgbClr val="FF9000"/>
+              </a:solidFill>
+            </a:ln>
+          </p:spPr>
+          <p:style>
+            <a:lnRef idx="2">
+              <a:schemeClr val="accent1">
+                <a:shade val="50000"/>
+              </a:schemeClr>
+            </a:lnRef>
+            <a:fillRef idx="1">
+              <a:schemeClr val="accent1"/>
+            </a:fillRef>
+            <a:effectRef idx="0">
+              <a:schemeClr val="accent1"/>
+            </a:effectRef>
+            <a:fontRef idx="minor">
+              <a:schemeClr val="lt1"/>
+            </a:fontRef>
+          </p:style>
+          <p:txBody>
+            <a:bodyPr rtlCol="0" anchor="ctr"/>
+            <a:lstStyle/>
+            <a:p>
+              <a:pPr algn="ctr"/>
+              <a:endParaRPr lang="en-US"/>
+            </a:p>
+          </p:txBody>
+        </p:sp>
+      </p:grpSp>
+    </p:spTree>
+    <p:extLst>
+      <p:ext uri="{BB962C8B-B14F-4D97-AF65-F5344CB8AC3E}">
+        <p14:creationId xmlns:p14="http://schemas.microsoft.com/office/powerpoint/2010/main" val="2093275043"/>
+      </p:ext>
+    </p:extLst>
+  </p:cSld>
+  <p:clrMapOvr>
+    <a:masterClrMapping/>
+  </p:clrMapOvr>
+  <mc:AlternateContent xmlns:mc="http://schemas.openxmlformats.org/markup-compatibility/2006">
+    <mc:Choice xmlns:p14="http://schemas.microsoft.com/office/powerpoint/2010/main" Requires="p14">
+      <p:transition p14:dur="0"/>
+    </mc:Choice>
+    <mc:Fallback>
+      <p:transition/>
+    </mc:Fallback>
+  </mc:AlternateContent>
+  <p:timing>
+    <p:tnLst>
+      <p:par>
+        <p:cTn id="1" dur="indefinite" restart="never" nodeType="tmRoot">
+          <p:childTnLst>
+            <p:seq concurrent="1" nextAc="seek">
+              <p:cTn id="2" dur="indefinite" nodeType="mainSeq">
+                <p:childTnLst>
+                  <p:par>
+                    <p:cTn id="3" fill="hold">
+                      <p:stCondLst>
+                        <p:cond delay="indefinite"/>
+                      </p:stCondLst>
+                      <p:childTnLst>
+                        <p:par>
+                          <p:cTn id="4" fill="hold">
+                            <p:stCondLst>
+                              <p:cond delay="0"/>
+                            </p:stCondLst>
+                            <p:childTnLst>
+                              <p:par>
+                                <p:cTn id="5" presetID="2" presetClass="entr" presetSubtype="8" fill="hold" nodeType="clickEffect">
+                                  <p:stCondLst>
+                                    <p:cond delay="0"/>
+                                  </p:stCondLst>
+                                  <p:childTnLst>
+                                    <p:set>
+                                      <p:cBhvr>
+                                        <p:cTn id="6" dur="1" fill="hold">
+                                          <p:stCondLst>
+                                            <p:cond delay="0"/>
+                                          </p:stCondLst>
+                                        </p:cTn>
+                                        <p:tgtEl>
+                                          <p:spTgt spid="14"/>
+                                        </p:tgtEl>
+                                        <p:attrNameLst>
+                                          <p:attrName>style.visibility</p:attrName>
+                                        </p:attrNameLst>
+                                      </p:cBhvr>
+                                      <p:to>
+                                        <p:strVal val="visible"/>
+                                      </p:to>
+                                    </p:set>
+                                    <p:anim calcmode="lin" valueType="num">
+                                      <p:cBhvr additive="base">
+                                        <p:cTn id="7" dur="500" fill="hold"/>
+                                        <p:tgtEl>
+                                          <p:spTgt spid="14"/>
+                                        </p:tgtEl>
+                                        <p:attrNameLst>
+                                          <p:attrName>ppt_x</p:attrName>
+                                        </p:attrNameLst>
+                                      </p:cBhvr>
+                                      <p:tavLst>
+                                        <p:tav tm="0">
+                                          <p:val>
+                                            <p:strVal val="0-#ppt_w/2"/>
+                                          </p:val>
+                                        </p:tav>
+                                        <p:tav tm="100000">
+                                          <p:val>
+                                            <p:strVal val="#ppt_x"/>
+                                          </p:val>
+                                        </p:tav>
+                                      </p:tavLst>
+                                    </p:anim>
+                                    <p:anim calcmode="lin" valueType="num">
+                                      <p:cBhvr additive="base">
+                                        <p:cTn id="8" dur="500" fill="hold"/>
+                                        <p:tgtEl>
+                                          <p:spTgt spid="14"/>
+                                        </p:tgtEl>
+                                        <p:attrNameLst>
+                                          <p:attrName>ppt_y</p:attrName>
+                                        </p:attrNameLst>
+                                      </p:cBhvr>
+                                      <p:tavLst>
+                                        <p:tav tm="0">
+                                          <p:val>
+                                            <p:strVal val="#ppt_y"/>
+                                          </p:val>
+                                        </p:tav>
+                                        <p:tav tm="100000">
+                                          <p:val>
+                                            <p:strVal val="#ppt_y"/>
+                                          </p:val>
+                                        </p:tav>
+                                      </p:tavLst>
+                                    </p:anim>
+                                  </p:childTnLst>
+                                </p:cTn>
+                              </p:par>
+                            </p:childTnLst>
+                          </p:cTn>
+                        </p:par>
+                      </p:childTnLst>
+                    </p:cTn>
+                  </p:par>
+                </p:childTnLst>
+              </p:cTn>
+              <p:prevCondLst>
+                <p:cond evt="onPrev" delay="0">
+                  <p:tgtEl>
+                    <p:sldTgt/>
+                  </p:tgtEl>
+                </p:cond>
+              </p:prevCondLst>
+              <p:nextCondLst>
+                <p:cond evt="onNext" delay="0">
+                  <p:tgtEl>
+                    <p:sldTgt/>
+                  </p:tgtEl>
+                </p:cond>
+              </p:nextCondLst>
+            </p:seq>
+          </p:childTnLst>
+        </p:cTn>
+      </p:par>
+    </p:tnLst>
+  </p:timing>
+</p:sld>
+</file>
+
+<file path=ppt/slides/slide9.xml><?xml version="1.0" encoding="utf-8"?>
+<p:sld xmlns:a="http://schemas.openxmlformats.org/drawingml/2006/main" xmlns:r="http://schemas.openxmlformats.org/officeDocument/2006/relationships" xmlns:p="http://schemas.openxmlformats.org/presentationml/2006/main">
+  <p:cSld>
+    <p:bg>
+      <p:bgPr>
+        <a:solidFill>
+          <a:schemeClr val="tx1"/>
+        </a:solidFill>
+        <a:effectLst/>
+      </p:bgPr>
+    </p:bg>
+    <p:spTree>
+      <p:nvGrpSpPr>
+        <p:cNvPr id="1" name=""/>
+        <p:cNvGrpSpPr/>
+        <p:nvPr/>
+      </p:nvGrpSpPr>
+      <p:grpSpPr>
+        <a:xfrm>
+          <a:off x="0" y="0"/>
+          <a:ext cx="0" cy="0"/>
+          <a:chOff x="0" y="0"/>
+          <a:chExt cx="0" cy="0"/>
+        </a:xfrm>
+      </p:grpSpPr>
+      <p:sp>
+        <p:nvSpPr>
+          <p:cNvPr id="2" name="Title 1"/>
+          <p:cNvSpPr>
+            <a:spLocks noGrp="1"/>
+          </p:cNvSpPr>
+          <p:nvPr>
+            <p:ph type="title"/>
+          </p:nvPr>
+        </p:nvSpPr>
+        <p:spPr>
+          <a:xfrm>
+            <a:off x="457200" y="274638"/>
+            <a:ext cx="8229600" cy="411162"/>
+          </a:xfrm>
+        </p:spPr>
+        <p:txBody>
+          <a:bodyPr>
+            <a:normAutofit fontScale="90000"/>
+          </a:bodyPr>
+          <a:lstStyle/>
+          <a:p>
+            <a:r>
+              <a:rPr lang="en-US" dirty="0" smtClean="0">
+                <a:solidFill>
+                  <a:schemeClr val="tx2">
+                    <a:lumMod val="60000"/>
+                    <a:lumOff val="40000"/>
+                  </a:schemeClr>
+                </a:solidFill>
+              </a:rPr>
+              <a:t>The Shape</a:t>
+            </a:r>
+            <a:endParaRPr lang="en-US" dirty="0">
+              <a:solidFill>
+                <a:schemeClr val="tx2">
+                  <a:lumMod val="60000"/>
+                  <a:lumOff val="40000"/>
+                </a:schemeClr>
+              </a:solidFill>
+            </a:endParaRPr>
+          </a:p>
+        </p:txBody>
+      </p:sp>
+      <p:sp>
+        <p:nvSpPr>
+          <p:cNvPr id="3" name="Content Placeholder 2"/>
+          <p:cNvSpPr>
+            <a:spLocks noGrp="1"/>
+          </p:cNvSpPr>
+          <p:nvPr>
+            <p:ph idx="1"/>
+          </p:nvPr>
+        </p:nvSpPr>
+        <p:spPr>
+          <a:xfrm>
+            <a:off x="457200" y="914401"/>
+            <a:ext cx="8229600" cy="1752600"/>
+          </a:xfrm>
+        </p:spPr>
+        <p:txBody>
+          <a:bodyPr>
+            <a:normAutofit lnSpcReduction="10000"/>
+          </a:bodyPr>
+          <a:lstStyle/>
+          <a:p>
+            <a:pPr marL="0" indent="0">
+              <a:buNone/>
+            </a:pPr>
+            <a:r>
+              <a:rPr lang="en-US" sz="2000" dirty="0" smtClean="0">
+                <a:solidFill>
+                  <a:schemeClr val="accent6">
+                    <a:lumMod val="75000"/>
+                  </a:schemeClr>
+                </a:solidFill>
+              </a:rPr>
+              <a:t>We could use a quadratic curve, but it doesn’t really work for our needs. So, we need to work with a Bezier.</a:t>
+            </a:r>
+          </a:p>
+          <a:p>
+            <a:pPr marL="0" indent="0">
+              <a:buNone/>
+            </a:pPr>
+            <a:endParaRPr lang="en-US" sz="2000" dirty="0" smtClean="0">
+              <a:solidFill>
+                <a:schemeClr val="accent6">
+                  <a:lumMod val="75000"/>
+                </a:schemeClr>
+              </a:solidFill>
+            </a:endParaRPr>
+          </a:p>
+          <a:p>
+            <a:pPr marL="0" indent="0">
+              <a:buNone/>
+            </a:pPr>
+            <a:r>
+              <a:rPr lang="en-US" sz="2000" dirty="0" err="1" smtClean="0">
+                <a:solidFill>
+                  <a:schemeClr val="accent3">
+                    <a:lumMod val="75000"/>
+                  </a:schemeClr>
+                </a:solidFill>
+              </a:rPr>
+              <a:t>ctx.bezierCurveTo</a:t>
+            </a:r>
+            <a:r>
+              <a:rPr lang="en-US" sz="2000" dirty="0" smtClean="0">
+                <a:solidFill>
+                  <a:schemeClr val="accent3">
+                    <a:lumMod val="75000"/>
+                  </a:schemeClr>
+                </a:solidFill>
+              </a:rPr>
+              <a:t>(x1, y1, x2, y2, x3, y3); </a:t>
+            </a:r>
+            <a:r>
+              <a:rPr lang="en-US" sz="2000" dirty="0" smtClean="0">
+                <a:solidFill>
+                  <a:schemeClr val="bg1">
+                    <a:lumMod val="50000"/>
+                  </a:schemeClr>
+                </a:solidFill>
+              </a:rPr>
+              <a:t>//Draw a Bezier with 4 points</a:t>
+            </a:r>
+          </a:p>
+          <a:p>
+            <a:pPr marL="0" indent="0">
+              <a:buNone/>
+            </a:pPr>
+            <a:r>
+              <a:rPr lang="en-US" sz="2000" dirty="0" err="1" smtClean="0">
+                <a:solidFill>
+                  <a:schemeClr val="accent3">
+                    <a:lumMod val="75000"/>
+                  </a:schemeClr>
+                </a:solidFill>
+              </a:rPr>
+              <a:t>ctx.bezierCurveTo</a:t>
+            </a:r>
+            <a:r>
+              <a:rPr lang="en-US" sz="2000" dirty="0" smtClean="0">
+                <a:solidFill>
+                  <a:schemeClr val="accent3">
+                    <a:lumMod val="75000"/>
+                  </a:schemeClr>
+                </a:solidFill>
+              </a:rPr>
+              <a:t>(x4, y4, x5, y5, x6, y6); </a:t>
+            </a:r>
+            <a:r>
+              <a:rPr lang="en-US" sz="2000" dirty="0">
+                <a:solidFill>
+                  <a:schemeClr val="bg1">
+                    <a:lumMod val="50000"/>
+                  </a:schemeClr>
+                </a:solidFill>
+              </a:rPr>
+              <a:t>//Draw a Bezier with 4 points</a:t>
+            </a:r>
+            <a:endParaRPr lang="en-US" sz="2000" dirty="0">
+              <a:solidFill>
+                <a:schemeClr val="accent3">
+                  <a:lumMod val="75000"/>
+                </a:schemeClr>
+              </a:solidFill>
+            </a:endParaRPr>
+          </a:p>
+          <a:p>
+            <a:pPr marL="0" indent="0">
+              <a:buNone/>
+            </a:pPr>
+            <a:endParaRPr lang="en-US" sz="2000" dirty="0" smtClean="0">
+              <a:solidFill>
+                <a:schemeClr val="accent3">
+                  <a:lumMod val="75000"/>
+                </a:schemeClr>
+              </a:solidFill>
+            </a:endParaRPr>
+          </a:p>
+          <a:p>
+            <a:pPr marL="0" indent="0">
+              <a:buNone/>
+            </a:pPr>
+            <a:endParaRPr lang="en-US" sz="2000" dirty="0" smtClean="0">
+              <a:solidFill>
+                <a:schemeClr val="accent3">
+                  <a:lumMod val="75000"/>
+                </a:schemeClr>
+              </a:solidFill>
+            </a:endParaRPr>
+          </a:p>
+          <a:p>
+            <a:pPr marL="0" indent="0">
+              <a:buNone/>
+            </a:pPr>
+            <a:endParaRPr lang="en-US" sz="2000" dirty="0">
+              <a:solidFill>
+                <a:schemeClr val="accent3">
+                  <a:lumMod val="75000"/>
+                </a:schemeClr>
+              </a:solidFill>
+            </a:endParaRPr>
+          </a:p>
+        </p:txBody>
+      </p:sp>
+      <p:pic>
+        <p:nvPicPr>
+          <p:cNvPr id="5" name="Picture 4"/>
+          <p:cNvPicPr>
+            <a:picLocks noChangeAspect="1"/>
+          </p:cNvPicPr>
+          <p:nvPr/>
+        </p:nvPicPr>
+        <p:blipFill>
+          <a:blip r:embed="rId2">
+            <a:extLst>
+              <a:ext uri="{28A0092B-C50C-407E-A947-70E740481C1C}">
+                <a14:useLocalDpi xmlns:a14="http://schemas.microsoft.com/office/drawing/2010/main" val="0"/>
+              </a:ext>
+            </a:extLst>
+          </a:blip>
+          <a:stretch>
+            <a:fillRect/>
+          </a:stretch>
+        </p:blipFill>
+        <p:spPr>
+          <a:xfrm>
+            <a:off x="455762" y="2819400"/>
+            <a:ext cx="3829050" cy="2743200"/>
+          </a:xfrm>
+          <a:prstGeom prst="rect">
+            <a:avLst/>
+          </a:prstGeom>
+        </p:spPr>
+      </p:pic>
+      <p:sp>
+        <p:nvSpPr>
+          <p:cNvPr id="7" name="TextBox 6"/>
+          <p:cNvSpPr txBox="1"/>
+          <p:nvPr/>
+        </p:nvSpPr>
+        <p:spPr>
+          <a:xfrm>
+            <a:off x="5207479" y="3124200"/>
+            <a:ext cx="3505200" cy="2862322"/>
+          </a:xfrm>
+          <a:prstGeom prst="rect">
+            <a:avLst/>
+          </a:prstGeom>
+          <a:noFill/>
+        </p:spPr>
+        <p:txBody>
+          <a:bodyPr wrap="square" rtlCol="0">
+            <a:spAutoFit/>
+          </a:bodyPr>
+          <a:lstStyle/>
+          <a:p>
+            <a:r>
+              <a:rPr lang="en-US" dirty="0" smtClean="0">
+                <a:solidFill>
+                  <a:schemeClr val="bg1"/>
+                </a:solidFill>
+              </a:rPr>
+              <a:t>Starting Position [</a:t>
+            </a:r>
+            <a:r>
+              <a:rPr lang="en-US" sz="1400" dirty="0" err="1" smtClean="0">
+                <a:solidFill>
+                  <a:schemeClr val="accent3">
+                    <a:lumMod val="75000"/>
+                  </a:schemeClr>
+                </a:solidFill>
+              </a:rPr>
+              <a:t>ctx.moveTo</a:t>
+            </a:r>
+            <a:r>
+              <a:rPr lang="en-US" sz="1400" dirty="0" smtClean="0">
+                <a:solidFill>
+                  <a:schemeClr val="accent3">
+                    <a:lumMod val="75000"/>
+                  </a:schemeClr>
+                </a:solidFill>
+              </a:rPr>
+              <a:t>(0</a:t>
+            </a:r>
+            <a:r>
+              <a:rPr lang="en-US" sz="1400" dirty="0">
+                <a:solidFill>
+                  <a:schemeClr val="accent3">
+                    <a:lumMod val="75000"/>
+                  </a:schemeClr>
+                </a:solidFill>
+              </a:rPr>
+              <a:t>, 0</a:t>
+            </a:r>
+            <a:r>
+              <a:rPr lang="en-US" sz="1400" dirty="0" smtClean="0">
+                <a:solidFill>
+                  <a:schemeClr val="accent3">
+                    <a:lumMod val="75000"/>
+                  </a:schemeClr>
+                </a:solidFill>
+              </a:rPr>
+              <a:t>);</a:t>
+            </a:r>
+            <a:r>
+              <a:rPr lang="en-US" dirty="0" smtClean="0">
+                <a:solidFill>
+                  <a:schemeClr val="bg1"/>
+                </a:solidFill>
+              </a:rPr>
+              <a:t>]</a:t>
+            </a:r>
+          </a:p>
+          <a:p>
+            <a:r>
+              <a:rPr lang="en-US" dirty="0" smtClean="0">
+                <a:solidFill>
+                  <a:schemeClr val="bg1"/>
+                </a:solidFill>
+              </a:rPr>
+              <a:t>Point 1 [</a:t>
+            </a:r>
+            <a:r>
+              <a:rPr lang="en-US" sz="1400" dirty="0" smtClean="0">
+                <a:solidFill>
+                  <a:schemeClr val="accent3">
+                    <a:lumMod val="75000"/>
+                  </a:schemeClr>
+                </a:solidFill>
+              </a:rPr>
+              <a:t>x1, y1</a:t>
+            </a:r>
+            <a:r>
+              <a:rPr lang="en-US" dirty="0" smtClean="0">
+                <a:solidFill>
+                  <a:schemeClr val="bg1"/>
+                </a:solidFill>
+              </a:rPr>
+              <a:t>]</a:t>
+            </a:r>
+          </a:p>
+          <a:p>
+            <a:r>
+              <a:rPr lang="en-US" dirty="0">
+                <a:solidFill>
+                  <a:schemeClr val="bg1"/>
+                </a:solidFill>
+              </a:rPr>
+              <a:t>Point </a:t>
+            </a:r>
+            <a:r>
+              <a:rPr lang="en-US" dirty="0" smtClean="0">
+                <a:solidFill>
+                  <a:schemeClr val="bg1"/>
+                </a:solidFill>
+              </a:rPr>
+              <a:t>2 [</a:t>
+            </a:r>
+            <a:r>
+              <a:rPr lang="en-US" sz="1400" dirty="0" smtClean="0">
+                <a:solidFill>
+                  <a:schemeClr val="accent3">
+                    <a:lumMod val="75000"/>
+                  </a:schemeClr>
+                </a:solidFill>
+              </a:rPr>
+              <a:t>x2, y2</a:t>
+            </a:r>
+            <a:r>
+              <a:rPr lang="en-US" dirty="0" smtClean="0">
+                <a:solidFill>
+                  <a:schemeClr val="bg1"/>
+                </a:solidFill>
+              </a:rPr>
+              <a:t>]</a:t>
+            </a:r>
+          </a:p>
+          <a:p>
+            <a:r>
+              <a:rPr lang="en-US" dirty="0">
+                <a:solidFill>
+                  <a:schemeClr val="bg1"/>
+                </a:solidFill>
+              </a:rPr>
+              <a:t>Point </a:t>
+            </a:r>
+            <a:r>
+              <a:rPr lang="en-US" dirty="0" smtClean="0">
+                <a:solidFill>
+                  <a:schemeClr val="bg1"/>
+                </a:solidFill>
+              </a:rPr>
+              <a:t>3 </a:t>
+            </a:r>
+            <a:r>
+              <a:rPr lang="en-US" dirty="0">
+                <a:solidFill>
+                  <a:schemeClr val="bg1"/>
+                </a:solidFill>
+              </a:rPr>
+              <a:t>[</a:t>
+            </a:r>
+            <a:r>
+              <a:rPr lang="en-US" sz="1400" dirty="0" smtClean="0">
+                <a:solidFill>
+                  <a:schemeClr val="accent3">
+                    <a:lumMod val="75000"/>
+                  </a:schemeClr>
+                </a:solidFill>
+              </a:rPr>
+              <a:t>x3, y3</a:t>
+            </a:r>
+            <a:r>
+              <a:rPr lang="en-US" dirty="0" smtClean="0">
+                <a:solidFill>
+                  <a:schemeClr val="bg1"/>
+                </a:solidFill>
+              </a:rPr>
+              <a:t>]</a:t>
+            </a:r>
+          </a:p>
+          <a:p>
+            <a:r>
+              <a:rPr lang="en-US" dirty="0">
+                <a:solidFill>
+                  <a:schemeClr val="bg1"/>
+                </a:solidFill>
+              </a:rPr>
+              <a:t>Starting </a:t>
+            </a:r>
+            <a:r>
+              <a:rPr lang="en-US" dirty="0" smtClean="0">
+                <a:solidFill>
+                  <a:schemeClr val="bg1"/>
+                </a:solidFill>
+              </a:rPr>
+              <a:t>Position 2 [</a:t>
+            </a:r>
+            <a:r>
+              <a:rPr lang="en-US" sz="1400" dirty="0" smtClean="0">
+                <a:solidFill>
+                  <a:schemeClr val="accent3">
+                    <a:lumMod val="75000"/>
+                  </a:schemeClr>
+                </a:solidFill>
+              </a:rPr>
+              <a:t>x3, y3</a:t>
+            </a:r>
+            <a:r>
+              <a:rPr lang="en-US" dirty="0" smtClean="0">
+                <a:solidFill>
+                  <a:schemeClr val="bg1"/>
+                </a:solidFill>
+              </a:rPr>
+              <a:t>]</a:t>
+            </a:r>
+            <a:endParaRPr lang="en-US" dirty="0">
+              <a:solidFill>
+                <a:schemeClr val="bg1"/>
+              </a:solidFill>
+            </a:endParaRPr>
+          </a:p>
+          <a:p>
+            <a:r>
+              <a:rPr lang="en-US" dirty="0">
+                <a:solidFill>
+                  <a:schemeClr val="bg1"/>
+                </a:solidFill>
+              </a:rPr>
+              <a:t>Point </a:t>
+            </a:r>
+            <a:r>
+              <a:rPr lang="en-US" dirty="0" smtClean="0">
+                <a:solidFill>
+                  <a:schemeClr val="bg1"/>
+                </a:solidFill>
+              </a:rPr>
+              <a:t>4 </a:t>
+            </a:r>
+            <a:r>
+              <a:rPr lang="en-US" dirty="0">
+                <a:solidFill>
+                  <a:schemeClr val="bg1"/>
+                </a:solidFill>
+              </a:rPr>
+              <a:t>[</a:t>
+            </a:r>
+            <a:r>
+              <a:rPr lang="en-US" sz="1400" dirty="0" smtClean="0">
+                <a:solidFill>
+                  <a:schemeClr val="accent3">
+                    <a:lumMod val="75000"/>
+                  </a:schemeClr>
+                </a:solidFill>
+              </a:rPr>
+              <a:t>x4, y4</a:t>
+            </a:r>
+            <a:r>
+              <a:rPr lang="en-US" dirty="0" smtClean="0">
+                <a:solidFill>
+                  <a:schemeClr val="bg1"/>
+                </a:solidFill>
+              </a:rPr>
+              <a:t>]</a:t>
+            </a:r>
+            <a:endParaRPr lang="en-US" dirty="0">
+              <a:solidFill>
+                <a:schemeClr val="bg1"/>
+              </a:solidFill>
+            </a:endParaRPr>
+          </a:p>
+          <a:p>
+            <a:r>
+              <a:rPr lang="en-US" dirty="0">
+                <a:solidFill>
+                  <a:schemeClr val="bg1"/>
+                </a:solidFill>
+              </a:rPr>
+              <a:t>Point </a:t>
+            </a:r>
+            <a:r>
+              <a:rPr lang="en-US" dirty="0" smtClean="0">
+                <a:solidFill>
+                  <a:schemeClr val="bg1"/>
+                </a:solidFill>
+              </a:rPr>
+              <a:t>5 </a:t>
+            </a:r>
+            <a:r>
+              <a:rPr lang="en-US" dirty="0">
+                <a:solidFill>
+                  <a:schemeClr val="bg1"/>
+                </a:solidFill>
+              </a:rPr>
+              <a:t>[</a:t>
+            </a:r>
+            <a:r>
+              <a:rPr lang="en-US" sz="1400" dirty="0" smtClean="0">
+                <a:solidFill>
+                  <a:schemeClr val="accent3">
+                    <a:lumMod val="75000"/>
+                  </a:schemeClr>
+                </a:solidFill>
+              </a:rPr>
+              <a:t>x5, y5</a:t>
+            </a:r>
+            <a:r>
+              <a:rPr lang="en-US" dirty="0" smtClean="0">
+                <a:solidFill>
+                  <a:schemeClr val="bg1"/>
+                </a:solidFill>
+              </a:rPr>
+              <a:t>]</a:t>
+            </a:r>
+            <a:endParaRPr lang="en-US" dirty="0">
+              <a:solidFill>
+                <a:schemeClr val="bg1"/>
+              </a:solidFill>
+            </a:endParaRPr>
+          </a:p>
+          <a:p>
+            <a:r>
+              <a:rPr lang="en-US" dirty="0">
+                <a:solidFill>
+                  <a:schemeClr val="bg1"/>
+                </a:solidFill>
+              </a:rPr>
+              <a:t>Point </a:t>
+            </a:r>
+            <a:r>
+              <a:rPr lang="en-US" dirty="0" smtClean="0">
+                <a:solidFill>
+                  <a:schemeClr val="bg1"/>
+                </a:solidFill>
+              </a:rPr>
+              <a:t>6 </a:t>
+            </a:r>
+            <a:r>
+              <a:rPr lang="en-US" dirty="0">
+                <a:solidFill>
+                  <a:schemeClr val="bg1"/>
+                </a:solidFill>
+              </a:rPr>
+              <a:t>[</a:t>
+            </a:r>
+            <a:r>
+              <a:rPr lang="en-US" sz="1400" dirty="0" smtClean="0">
+                <a:solidFill>
+                  <a:schemeClr val="accent3">
+                    <a:lumMod val="75000"/>
+                  </a:schemeClr>
+                </a:solidFill>
+              </a:rPr>
+              <a:t>x6, y6</a:t>
+            </a:r>
+            <a:r>
+              <a:rPr lang="en-US" dirty="0" smtClean="0">
+                <a:solidFill>
+                  <a:schemeClr val="bg1"/>
+                </a:solidFill>
+              </a:rPr>
+              <a:t>]</a:t>
+            </a:r>
+            <a:endParaRPr lang="en-US" dirty="0">
+              <a:solidFill>
+                <a:schemeClr val="bg1"/>
+              </a:solidFill>
+            </a:endParaRPr>
+          </a:p>
+          <a:p>
+            <a:endParaRPr lang="en-US" dirty="0">
+              <a:solidFill>
+                <a:schemeClr val="bg1"/>
+              </a:solidFill>
+            </a:endParaRPr>
+          </a:p>
+          <a:p>
+            <a:endParaRPr lang="en-US" dirty="0">
+              <a:solidFill>
+                <a:schemeClr val="bg1"/>
+              </a:solidFill>
+            </a:endParaRPr>
+          </a:p>
+        </p:txBody>
+      </p:sp>
+      <p:sp>
+        <p:nvSpPr>
+          <p:cNvPr id="10" name="Oval 9"/>
+          <p:cNvSpPr/>
+          <p:nvPr/>
+        </p:nvSpPr>
+        <p:spPr>
+          <a:xfrm>
+            <a:off x="5029200" y="3200400"/>
+            <a:ext cx="178279" cy="178279"/>
+          </a:xfrm>
+          <a:prstGeom prst="ellipse">
+            <a:avLst/>
+          </a:prstGeom>
+          <a:solidFill>
+            <a:srgbClr val="00FF07"/>
+          </a:solidFill>
+          <a:ln>
+            <a:solidFill>
+              <a:srgbClr val="00FF07"/>
+            </a:solidFill>
+          </a:ln>
+        </p:spPr>
+        <p:style>
+          <a:lnRef idx="2">
+            <a:schemeClr val="accent1">
+              <a:shade val="50000"/>
+            </a:schemeClr>
+          </a:lnRef>
+          <a:fillRef idx="1">
+            <a:schemeClr val="accent1"/>
+          </a:fillRef>
+          <a:effectRef idx="0">
+            <a:schemeClr val="accent1"/>
+          </a:effectRef>
+          <a:fontRef idx="minor">
+            <a:schemeClr val="lt1"/>
+          </a:fontRef>
+        </p:style>
+        <p:txBody>
+          <a:bodyPr rtlCol="0" anchor="ctr"/>
+          <a:lstStyle/>
+          <a:p>
+            <a:pPr algn="ctr"/>
+            <a:endParaRPr lang="en-US"/>
+          </a:p>
+        </p:txBody>
+      </p:sp>
+      <p:sp>
+        <p:nvSpPr>
+          <p:cNvPr id="11" name="Oval 10"/>
+          <p:cNvSpPr/>
+          <p:nvPr/>
+        </p:nvSpPr>
+        <p:spPr>
+          <a:xfrm>
+            <a:off x="5029200" y="3505200"/>
+            <a:ext cx="178279" cy="178279"/>
+          </a:xfrm>
+          <a:prstGeom prst="ellipse">
+            <a:avLst/>
+          </a:prstGeom>
+          <a:solidFill>
+            <a:srgbClr val="FF0000"/>
+          </a:solidFill>
+          <a:ln>
+            <a:solidFill>
+              <a:srgbClr val="FF0000"/>
+            </a:solidFill>
+          </a:ln>
+        </p:spPr>
+        <p:style>
+          <a:lnRef idx="2">
+            <a:schemeClr val="accent1">
+              <a:shade val="50000"/>
+            </a:schemeClr>
+          </a:lnRef>
+          <a:fillRef idx="1">
+            <a:schemeClr val="accent1"/>
+          </a:fillRef>
+          <a:effectRef idx="0">
+            <a:schemeClr val="accent1"/>
+          </a:effectRef>
+          <a:fontRef idx="minor">
+            <a:schemeClr val="lt1"/>
+          </a:fontRef>
+        </p:style>
+        <p:txBody>
+          <a:bodyPr rtlCol="0" anchor="ctr"/>
+          <a:lstStyle/>
+          <a:p>
+            <a:pPr algn="ctr"/>
+            <a:endParaRPr lang="en-US"/>
+          </a:p>
+        </p:txBody>
+      </p:sp>
+      <p:sp>
+        <p:nvSpPr>
+          <p:cNvPr id="12" name="Oval 11"/>
+          <p:cNvSpPr/>
+          <p:nvPr/>
+        </p:nvSpPr>
+        <p:spPr>
+          <a:xfrm>
+            <a:off x="5029199" y="3780194"/>
+            <a:ext cx="178279" cy="178279"/>
+          </a:xfrm>
+          <a:prstGeom prst="ellipse">
+            <a:avLst/>
+          </a:prstGeom>
+          <a:solidFill>
+            <a:srgbClr val="010EFD"/>
+          </a:solidFill>
+          <a:ln>
+            <a:solidFill>
+              <a:srgbClr val="010EFD"/>
+            </a:solidFill>
+          </a:ln>
+        </p:spPr>
+        <p:style>
+          <a:lnRef idx="2">
+            <a:schemeClr val="accent1">
+              <a:shade val="50000"/>
+            </a:schemeClr>
+          </a:lnRef>
+          <a:fillRef idx="1">
+            <a:schemeClr val="accent1"/>
+          </a:fillRef>
+          <a:effectRef idx="0">
+            <a:schemeClr val="accent1"/>
+          </a:effectRef>
+          <a:fontRef idx="minor">
+            <a:schemeClr val="lt1"/>
+          </a:fontRef>
+        </p:style>
+        <p:txBody>
+          <a:bodyPr rtlCol="0" anchor="ctr"/>
+          <a:lstStyle/>
+          <a:p>
+            <a:pPr algn="ctr"/>
+            <a:endParaRPr lang="en-US"/>
+          </a:p>
+        </p:txBody>
+      </p:sp>
+      <p:sp>
+        <p:nvSpPr>
+          <p:cNvPr id="13" name="Oval 12"/>
+          <p:cNvSpPr/>
+          <p:nvPr/>
+        </p:nvSpPr>
+        <p:spPr>
+          <a:xfrm>
+            <a:off x="5029199" y="4053364"/>
+            <a:ext cx="178279" cy="178279"/>
+          </a:xfrm>
+          <a:prstGeom prst="ellipse">
+            <a:avLst/>
+          </a:prstGeom>
+          <a:solidFill>
+            <a:srgbClr val="FF9000"/>
+          </a:solidFill>
+          <a:ln>
+            <a:solidFill>
+              <a:srgbClr val="FF9000"/>
+            </a:solidFill>
+          </a:ln>
+        </p:spPr>
+        <p:style>
+          <a:lnRef idx="2">
+            <a:schemeClr val="accent1">
+              <a:shade val="50000"/>
+            </a:schemeClr>
+          </a:lnRef>
+          <a:fillRef idx="1">
+            <a:schemeClr val="accent1"/>
+          </a:fillRef>
+          <a:effectRef idx="0">
+            <a:schemeClr val="accent1"/>
+          </a:effectRef>
+          <a:fontRef idx="minor">
+            <a:schemeClr val="lt1"/>
+          </a:fontRef>
+        </p:style>
+        <p:txBody>
+          <a:bodyPr rtlCol="0" anchor="ctr"/>
+          <a:lstStyle/>
+          <a:p>
+            <a:pPr algn="ctr"/>
+            <a:endParaRPr lang="en-US"/>
+          </a:p>
+        </p:txBody>
+      </p:sp>
+      <p:sp>
+        <p:nvSpPr>
+          <p:cNvPr id="14" name="Oval 13"/>
+          <p:cNvSpPr/>
+          <p:nvPr/>
+        </p:nvSpPr>
+        <p:spPr>
+          <a:xfrm>
+            <a:off x="5029199" y="4317521"/>
+            <a:ext cx="178279" cy="178279"/>
+          </a:xfrm>
+          <a:prstGeom prst="ellipse">
+            <a:avLst/>
+          </a:prstGeom>
+          <a:solidFill>
+            <a:srgbClr val="FF9000"/>
+          </a:solidFill>
+          <a:ln>
+            <a:solidFill>
+              <a:srgbClr val="FF9000"/>
+            </a:solidFill>
+          </a:ln>
+        </p:spPr>
+        <p:style>
+          <a:lnRef idx="2">
+            <a:schemeClr val="accent1">
+              <a:shade val="50000"/>
+            </a:schemeClr>
+          </a:lnRef>
+          <a:fillRef idx="1">
+            <a:schemeClr val="accent1"/>
+          </a:fillRef>
+          <a:effectRef idx="0">
+            <a:schemeClr val="accent1"/>
+          </a:effectRef>
+          <a:fontRef idx="minor">
+            <a:schemeClr val="lt1"/>
+          </a:fontRef>
+        </p:style>
+        <p:txBody>
+          <a:bodyPr rtlCol="0" anchor="ctr"/>
+          <a:lstStyle/>
+          <a:p>
+            <a:pPr algn="ctr"/>
+            <a:endParaRPr lang="en-US"/>
+          </a:p>
+        </p:txBody>
+      </p:sp>
+      <p:sp>
+        <p:nvSpPr>
+          <p:cNvPr id="15" name="Oval 14"/>
+          <p:cNvSpPr/>
+          <p:nvPr/>
+        </p:nvSpPr>
+        <p:spPr>
+          <a:xfrm>
+            <a:off x="5029199" y="4599702"/>
+            <a:ext cx="178279" cy="178279"/>
+          </a:xfrm>
+          <a:prstGeom prst="ellipse">
+            <a:avLst/>
+          </a:prstGeom>
+          <a:solidFill>
+            <a:srgbClr val="FF01DE"/>
+          </a:solidFill>
+          <a:ln>
+            <a:solidFill>
+              <a:srgbClr val="FF01DE"/>
+            </a:solidFill>
+          </a:ln>
+        </p:spPr>
+        <p:style>
+          <a:lnRef idx="2">
+            <a:schemeClr val="accent1">
+              <a:shade val="50000"/>
+            </a:schemeClr>
+          </a:lnRef>
+          <a:fillRef idx="1">
+            <a:schemeClr val="accent1"/>
+          </a:fillRef>
+          <a:effectRef idx="0">
+            <a:schemeClr val="accent1"/>
+          </a:effectRef>
+          <a:fontRef idx="minor">
+            <a:schemeClr val="lt1"/>
+          </a:fontRef>
+        </p:style>
+        <p:txBody>
+          <a:bodyPr rtlCol="0" anchor="ctr"/>
+          <a:lstStyle/>
+          <a:p>
+            <a:pPr algn="ctr"/>
+            <a:endParaRPr lang="en-US"/>
+          </a:p>
+        </p:txBody>
+      </p:sp>
+      <p:sp>
+        <p:nvSpPr>
+          <p:cNvPr id="16" name="Oval 15"/>
+          <p:cNvSpPr/>
+          <p:nvPr/>
+        </p:nvSpPr>
+        <p:spPr>
+          <a:xfrm>
+            <a:off x="5029199" y="4850921"/>
+            <a:ext cx="178279" cy="178279"/>
+          </a:xfrm>
+          <a:prstGeom prst="ellipse">
+            <a:avLst/>
+          </a:prstGeom>
+          <a:solidFill>
+            <a:srgbClr val="01FFFA"/>
+          </a:solidFill>
+          <a:ln>
+            <a:solidFill>
+              <a:srgbClr val="01FFFA"/>
+            </a:solidFill>
+          </a:ln>
+        </p:spPr>
+        <p:style>
+          <a:lnRef idx="2">
+            <a:schemeClr val="accent1">
+              <a:shade val="50000"/>
+            </a:schemeClr>
+          </a:lnRef>
+          <a:fillRef idx="1">
+            <a:schemeClr val="accent1"/>
+          </a:fillRef>
+          <a:effectRef idx="0">
+            <a:schemeClr val="accent1"/>
+          </a:effectRef>
+          <a:fontRef idx="minor">
+            <a:schemeClr val="lt1"/>
+          </a:fontRef>
+        </p:style>
+        <p:txBody>
+          <a:bodyPr rtlCol="0" anchor="ctr"/>
+          <a:lstStyle/>
+          <a:p>
+            <a:pPr algn="ctr"/>
+            <a:endParaRPr lang="en-US"/>
+          </a:p>
+        </p:txBody>
+      </p:sp>
+      <p:sp>
+        <p:nvSpPr>
+          <p:cNvPr id="17" name="Oval 16"/>
+          <p:cNvSpPr/>
+          <p:nvPr/>
+        </p:nvSpPr>
+        <p:spPr>
+          <a:xfrm>
+            <a:off x="5029199" y="5123650"/>
+            <a:ext cx="178279" cy="178279"/>
+          </a:xfrm>
+          <a:prstGeom prst="ellipse">
+            <a:avLst/>
+          </a:prstGeom>
+          <a:solidFill>
+            <a:srgbClr val="F6FD00"/>
+          </a:solidFill>
+          <a:ln>
+            <a:solidFill>
+              <a:srgbClr val="F6FD00"/>
+            </a:solidFill>
+          </a:ln>
+        </p:spPr>
+        <p:style>
+          <a:lnRef idx="2">
+            <a:schemeClr val="accent1">
+              <a:shade val="50000"/>
+            </a:schemeClr>
+          </a:lnRef>
+          <a:fillRef idx="1">
+            <a:schemeClr val="accent1"/>
+          </a:fillRef>
+          <a:effectRef idx="0">
+            <a:schemeClr val="accent1"/>
+          </a:effectRef>
+          <a:fontRef idx="minor">
+            <a:schemeClr val="lt1"/>
+          </a:fontRef>
+        </p:style>
+        <p:txBody>
+          <a:bodyPr rtlCol="0" anchor="ctr"/>
+          <a:lstStyle/>
+          <a:p>
+            <a:pPr algn="ctr"/>
+            <a:endParaRPr lang="en-US"/>
+          </a:p>
+        </p:txBody>
+      </p:sp>
+    </p:spTree>
+    <p:extLst>
+      <p:ext uri="{BB962C8B-B14F-4D97-AF65-F5344CB8AC3E}">
+        <p14:creationId xmlns:p14="http://schemas.microsoft.com/office/powerpoint/2010/main" val="424655107"/>
       </p:ext>
     </p:extLst>
   </p:cSld>
